--- a/prezentacje/Optymalizacja.pptx
+++ b/prezentacje/Optymalizacja.pptx
@@ -12,10 +12,11 @@
     <p:sldId id="260" r:id="rId6"/>
     <p:sldId id="261" r:id="rId7"/>
     <p:sldId id="265" r:id="rId8"/>
-    <p:sldId id="266" r:id="rId9"/>
-    <p:sldId id="262" r:id="rId10"/>
-    <p:sldId id="263" r:id="rId11"/>
-    <p:sldId id="264" r:id="rId12"/>
+    <p:sldId id="267" r:id="rId9"/>
+    <p:sldId id="266" r:id="rId10"/>
+    <p:sldId id="262" r:id="rId11"/>
+    <p:sldId id="263" r:id="rId12"/>
+    <p:sldId id="264" r:id="rId13"/>
   </p:sldIdLst>
   <p:sldSz cx="9144000" cy="6858000" type="screen4x3"/>
   <p:notesSz cx="6858000" cy="9144000"/>
@@ -311,7 +312,7 @@
           <a:p>
             <a:fld id="{B8F30993-BBFD-4F33-8C0F-CB4C5485F7D8}" type="datetimeFigureOut">
               <a:rPr lang="pl-PL" smtClean="0"/>
-              <a:t>2017-06-20</a:t>
+              <a:t>2017-06-21</a:t>
             </a:fld>
             <a:endParaRPr lang="pl-PL"/>
           </a:p>
@@ -476,7 +477,7 @@
           <a:p>
             <a:fld id="{B8F30993-BBFD-4F33-8C0F-CB4C5485F7D8}" type="datetimeFigureOut">
               <a:rPr lang="pl-PL" smtClean="0"/>
-              <a:t>2017-06-20</a:t>
+              <a:t>2017-06-21</a:t>
             </a:fld>
             <a:endParaRPr lang="pl-PL"/>
           </a:p>
@@ -651,7 +652,7 @@
           <a:p>
             <a:fld id="{B8F30993-BBFD-4F33-8C0F-CB4C5485F7D8}" type="datetimeFigureOut">
               <a:rPr lang="pl-PL" smtClean="0"/>
-              <a:t>2017-06-20</a:t>
+              <a:t>2017-06-21</a:t>
             </a:fld>
             <a:endParaRPr lang="pl-PL"/>
           </a:p>
@@ -816,7 +817,7 @@
           <a:p>
             <a:fld id="{B8F30993-BBFD-4F33-8C0F-CB4C5485F7D8}" type="datetimeFigureOut">
               <a:rPr lang="pl-PL" smtClean="0"/>
-              <a:t>2017-06-20</a:t>
+              <a:t>2017-06-21</a:t>
             </a:fld>
             <a:endParaRPr lang="pl-PL"/>
           </a:p>
@@ -1057,7 +1058,7 @@
           <a:p>
             <a:fld id="{B8F30993-BBFD-4F33-8C0F-CB4C5485F7D8}" type="datetimeFigureOut">
               <a:rPr lang="pl-PL" smtClean="0"/>
-              <a:t>2017-06-20</a:t>
+              <a:t>2017-06-21</a:t>
             </a:fld>
             <a:endParaRPr lang="pl-PL"/>
           </a:p>
@@ -1340,7 +1341,7 @@
           <a:p>
             <a:fld id="{B8F30993-BBFD-4F33-8C0F-CB4C5485F7D8}" type="datetimeFigureOut">
               <a:rPr lang="pl-PL" smtClean="0"/>
-              <a:t>2017-06-20</a:t>
+              <a:t>2017-06-21</a:t>
             </a:fld>
             <a:endParaRPr lang="pl-PL"/>
           </a:p>
@@ -1769,7 +1770,7 @@
           <a:p>
             <a:fld id="{B8F30993-BBFD-4F33-8C0F-CB4C5485F7D8}" type="datetimeFigureOut">
               <a:rPr lang="pl-PL" smtClean="0"/>
-              <a:t>2017-06-20</a:t>
+              <a:t>2017-06-21</a:t>
             </a:fld>
             <a:endParaRPr lang="pl-PL"/>
           </a:p>
@@ -1882,7 +1883,7 @@
           <a:p>
             <a:fld id="{B8F30993-BBFD-4F33-8C0F-CB4C5485F7D8}" type="datetimeFigureOut">
               <a:rPr lang="pl-PL" smtClean="0"/>
-              <a:t>2017-06-20</a:t>
+              <a:t>2017-06-21</a:t>
             </a:fld>
             <a:endParaRPr lang="pl-PL"/>
           </a:p>
@@ -1972,7 +1973,7 @@
           <a:p>
             <a:fld id="{B8F30993-BBFD-4F33-8C0F-CB4C5485F7D8}" type="datetimeFigureOut">
               <a:rPr lang="pl-PL" smtClean="0"/>
-              <a:t>2017-06-20</a:t>
+              <a:t>2017-06-21</a:t>
             </a:fld>
             <a:endParaRPr lang="pl-PL"/>
           </a:p>
@@ -2161,7 +2162,7 @@
           <a:p>
             <a:fld id="{B8F30993-BBFD-4F33-8C0F-CB4C5485F7D8}" type="datetimeFigureOut">
               <a:rPr lang="pl-PL" smtClean="0"/>
-              <a:t>2017-06-20</a:t>
+              <a:t>2017-06-21</a:t>
             </a:fld>
             <a:endParaRPr lang="pl-PL"/>
           </a:p>
@@ -2479,7 +2480,7 @@
           <a:p>
             <a:fld id="{B8F30993-BBFD-4F33-8C0F-CB4C5485F7D8}" type="datetimeFigureOut">
               <a:rPr lang="pl-PL" smtClean="0"/>
-              <a:t>2017-06-20</a:t>
+              <a:t>2017-06-21</a:t>
             </a:fld>
             <a:endParaRPr lang="pl-PL"/>
           </a:p>
@@ -2858,7 +2859,7 @@
           <a:p>
             <a:fld id="{B8F30993-BBFD-4F33-8C0F-CB4C5485F7D8}" type="datetimeFigureOut">
               <a:rPr lang="pl-PL" smtClean="0"/>
-              <a:t>2017-06-20</a:t>
+              <a:t>2017-06-21</a:t>
             </a:fld>
             <a:endParaRPr lang="pl-PL"/>
           </a:p>
@@ -3297,6 +3298,84 @@
           <a:chExt cx="0" cy="0"/>
         </a:xfrm>
       </p:grpSpPr>
+      <p:sp>
+        <p:nvSpPr>
+          <p:cNvPr id="2" name="pole tekstowe 1"/>
+          <p:cNvSpPr txBox="1"/>
+          <p:nvPr/>
+        </p:nvSpPr>
+        <p:spPr>
+          <a:xfrm>
+            <a:off x="1619672" y="2564904"/>
+            <a:ext cx="5328592" cy="1015663"/>
+          </a:xfrm>
+          <a:prstGeom prst="rect">
+            <a:avLst/>
+          </a:prstGeom>
+          <a:noFill/>
+        </p:spPr>
+        <p:txBody>
+          <a:bodyPr wrap="square" rtlCol="0" anchor="ctr" anchorCtr="1">
+            <a:spAutoFit/>
+          </a:bodyPr>
+          <a:lstStyle/>
+          <a:p>
+            <a:pPr algn="ctr"/>
+            <a:r>
+              <a:rPr lang="pl-PL" sz="6000" b="1" i="1" dirty="0" smtClean="0">
+                <a:solidFill>
+                  <a:schemeClr val="tx2"/>
+                </a:solidFill>
+                <a:latin typeface="+mj-lt"/>
+              </a:rPr>
+              <a:t>Projekt nr 3</a:t>
+            </a:r>
+            <a:endParaRPr lang="pl-PL" sz="6000" b="1" i="1" dirty="0">
+              <a:solidFill>
+                <a:schemeClr val="tx2"/>
+              </a:solidFill>
+              <a:latin typeface="+mj-lt"/>
+            </a:endParaRPr>
+          </a:p>
+        </p:txBody>
+      </p:sp>
+    </p:spTree>
+    <p:extLst>
+      <p:ext uri="{BB962C8B-B14F-4D97-AF65-F5344CB8AC3E}">
+        <p14:creationId xmlns:p14="http://schemas.microsoft.com/office/powerpoint/2010/main" val="4261684042"/>
+      </p:ext>
+    </p:extLst>
+  </p:cSld>
+  <p:clrMapOvr>
+    <a:masterClrMapping/>
+  </p:clrMapOvr>
+  <p:timing>
+    <p:tnLst>
+      <p:par>
+        <p:cTn id="1" dur="indefinite" restart="never" nodeType="tmRoot"/>
+      </p:par>
+    </p:tnLst>
+  </p:timing>
+</p:sld>
+</file>
+
+<file path=ppt/slides/slide11.xml><?xml version="1.0" encoding="utf-8"?>
+<p:sld xmlns:a="http://schemas.openxmlformats.org/drawingml/2006/main" xmlns:r="http://schemas.openxmlformats.org/officeDocument/2006/relationships" xmlns:p="http://schemas.openxmlformats.org/presentationml/2006/main">
+  <p:cSld>
+    <p:spTree>
+      <p:nvGrpSpPr>
+        <p:cNvPr id="1" name=""/>
+        <p:cNvGrpSpPr/>
+        <p:nvPr/>
+      </p:nvGrpSpPr>
+      <p:grpSpPr>
+        <a:xfrm>
+          <a:off x="0" y="0"/>
+          <a:ext cx="0" cy="0"/>
+          <a:chOff x="0" y="0"/>
+          <a:chExt cx="0" cy="0"/>
+        </a:xfrm>
+      </p:grpSpPr>
       <p:graphicFrame>
         <p:nvGraphicFramePr>
           <p:cNvPr id="2" name="Tabela 1"/>
@@ -3306,7 +3385,7 @@
           <p:nvPr>
             <p:extLst>
               <p:ext uri="{D42A27DB-BD31-4B8C-83A1-F6EECF244321}">
-                <p14:modId xmlns:p14="http://schemas.microsoft.com/office/powerpoint/2010/main" val="1086455741"/>
+                <p14:modId xmlns:p14="http://schemas.microsoft.com/office/powerpoint/2010/main" val="3044110860"/>
               </p:ext>
             </p:extLst>
           </p:nvPr>
@@ -3363,7 +3442,7 @@
                       </a:endParaRPr>
                     </a:p>
                   </a:txBody>
-                  <a:tcPr marL="68580" marR="68580" marT="0" marB="0"/>
+                  <a:tcPr marL="68580" marR="68580" marT="0" marB="0" anchor="ctr"/>
                 </a:tc>
                 <a:tc>
                   <a:txBody>
@@ -3392,7 +3471,7 @@
                       </a:endParaRPr>
                     </a:p>
                   </a:txBody>
-                  <a:tcPr marL="68580" marR="68580" marT="0" marB="0"/>
+                  <a:tcPr marL="68580" marR="68580" marT="0" marB="0" anchor="ctr"/>
                 </a:tc>
                 <a:tc>
                   <a:txBody>
@@ -3421,7 +3500,7 @@
                       </a:endParaRPr>
                     </a:p>
                   </a:txBody>
-                  <a:tcPr marL="68580" marR="68580" marT="0" marB="0"/>
+                  <a:tcPr marL="68580" marR="68580" marT="0" marB="0" anchor="ctr"/>
                 </a:tc>
                 <a:tc>
                   <a:txBody>
@@ -3450,7 +3529,7 @@
                       </a:endParaRPr>
                     </a:p>
                   </a:txBody>
-                  <a:tcPr marL="68580" marR="68580" marT="0" marB="0"/>
+                  <a:tcPr marL="68580" marR="68580" marT="0" marB="0" anchor="ctr"/>
                 </a:tc>
                 <a:tc>
                   <a:txBody>
@@ -3479,7 +3558,7 @@
                       </a:endParaRPr>
                     </a:p>
                   </a:txBody>
-                  <a:tcPr marL="68580" marR="68580" marT="0" marB="0"/>
+                  <a:tcPr marL="68580" marR="68580" marT="0" marB="0" anchor="ctr"/>
                 </a:tc>
                 <a:tc>
                   <a:txBody>
@@ -3508,7 +3587,7 @@
                       </a:endParaRPr>
                     </a:p>
                   </a:txBody>
-                  <a:tcPr marL="68580" marR="68580" marT="0" marB="0"/>
+                  <a:tcPr marL="68580" marR="68580" marT="0" marB="0" anchor="ctr"/>
                 </a:tc>
                 <a:tc>
                   <a:txBody>
@@ -3537,7 +3616,7 @@
                       </a:endParaRPr>
                     </a:p>
                   </a:txBody>
-                  <a:tcPr marL="68580" marR="68580" marT="0" marB="0"/>
+                  <a:tcPr marL="68580" marR="68580" marT="0" marB="0" anchor="ctr"/>
                 </a:tc>
                 <a:tc>
                   <a:txBody>
@@ -3566,7 +3645,7 @@
                       </a:endParaRPr>
                     </a:p>
                   </a:txBody>
-                  <a:tcPr marL="68580" marR="68580" marT="0" marB="0"/>
+                  <a:tcPr marL="68580" marR="68580" marT="0" marB="0" anchor="ctr"/>
                 </a:tc>
                 <a:tc>
                   <a:txBody>
@@ -3595,7 +3674,7 @@
                       </a:endParaRPr>
                     </a:p>
                   </a:txBody>
-                  <a:tcPr marL="68580" marR="68580" marT="0" marB="0"/>
+                  <a:tcPr marL="68580" marR="68580" marT="0" marB="0" anchor="ctr"/>
                 </a:tc>
                 <a:tc>
                   <a:txBody>
@@ -3624,7 +3703,7 @@
                       </a:endParaRPr>
                     </a:p>
                   </a:txBody>
-                  <a:tcPr marL="68580" marR="68580" marT="0" marB="0"/>
+                  <a:tcPr marL="68580" marR="68580" marT="0" marB="0" anchor="ctr"/>
                 </a:tc>
                 <a:tc>
                   <a:txBody>
@@ -3653,7 +3732,7 @@
                       </a:endParaRPr>
                     </a:p>
                   </a:txBody>
-                  <a:tcPr marL="68580" marR="68580" marT="0" marB="0"/>
+                  <a:tcPr marL="68580" marR="68580" marT="0" marB="0" anchor="ctr"/>
                 </a:tc>
                 <a:tc>
                   <a:txBody>
@@ -3682,7 +3761,7 @@
                       </a:endParaRPr>
                     </a:p>
                   </a:txBody>
-                  <a:tcPr marL="68580" marR="68580" marT="0" marB="0"/>
+                  <a:tcPr marL="68580" marR="68580" marT="0" marB="0" anchor="ctr"/>
                 </a:tc>
               </a:tr>
               <a:tr h="537232">
@@ -3713,7 +3792,7 @@
                       </a:endParaRPr>
                     </a:p>
                   </a:txBody>
-                  <a:tcPr marL="68580" marR="68580" marT="0" marB="0"/>
+                  <a:tcPr marL="68580" marR="68580" marT="0" marB="0" anchor="ctr"/>
                 </a:tc>
                 <a:tc>
                   <a:txBody>
@@ -3742,7 +3821,7 @@
                       </a:endParaRPr>
                     </a:p>
                   </a:txBody>
-                  <a:tcPr marL="68580" marR="68580" marT="0" marB="0"/>
+                  <a:tcPr marL="68580" marR="68580" marT="0" marB="0" anchor="ctr"/>
                 </a:tc>
                 <a:tc>
                   <a:txBody>
@@ -3771,7 +3850,94 @@
                       </a:endParaRPr>
                     </a:p>
                   </a:txBody>
-                  <a:tcPr marL="68580" marR="68580" marT="0" marB="0"/>
+                  <a:tcPr marL="68580" marR="68580" marT="0" marB="0" anchor="ctr"/>
+                </a:tc>
+                <a:tc>
+                  <a:txBody>
+                    <a:bodyPr/>
+                    <a:lstStyle/>
+                    <a:p>
+                      <a:pPr algn="ctr">
+                        <a:lnSpc>
+                          <a:spcPct val="115000"/>
+                        </a:lnSpc>
+                        <a:spcAft>
+                          <a:spcPts val="0"/>
+                        </a:spcAft>
+                      </a:pPr>
+                      <a:r>
+                        <a:rPr lang="en-US" sz="1200" dirty="0">
+                          <a:effectLst/>
+                        </a:rPr>
+                        <a:t>100</a:t>
+                      </a:r>
+                      <a:endParaRPr lang="pl-PL" sz="1100" dirty="0">
+                        <a:effectLst/>
+                        <a:latin typeface="Calibri"/>
+                        <a:ea typeface="Calibri"/>
+                        <a:cs typeface="Times New Roman"/>
+                      </a:endParaRPr>
+                    </a:p>
+                  </a:txBody>
+                  <a:tcPr marL="68580" marR="68580" marT="0" marB="0" anchor="ctr"/>
+                </a:tc>
+                <a:tc>
+                  <a:txBody>
+                    <a:bodyPr/>
+                    <a:lstStyle/>
+                    <a:p>
+                      <a:pPr algn="ctr">
+                        <a:lnSpc>
+                          <a:spcPct val="115000"/>
+                        </a:lnSpc>
+                        <a:spcAft>
+                          <a:spcPts val="0"/>
+                        </a:spcAft>
+                      </a:pPr>
+                      <a:r>
+                        <a:rPr lang="en-US" sz="1200" dirty="0">
+                          <a:effectLst/>
+                        </a:rPr>
+                        <a:t>200</a:t>
+                      </a:r>
+                      <a:endParaRPr lang="pl-PL" sz="1100" dirty="0">
+                        <a:effectLst/>
+                        <a:latin typeface="Calibri"/>
+                        <a:ea typeface="Calibri"/>
+                        <a:cs typeface="Times New Roman"/>
+                      </a:endParaRPr>
+                    </a:p>
+                  </a:txBody>
+                  <a:tcPr marL="68580" marR="68580" marT="0" marB="0" anchor="ctr"/>
+                </a:tc>
+                <a:tc>
+                  <a:txBody>
+                    <a:bodyPr/>
+                    <a:lstStyle/>
+                    <a:p>
+                      <a:pPr algn="ctr">
+                        <a:lnSpc>
+                          <a:spcPct val="115000"/>
+                        </a:lnSpc>
+                        <a:spcAft>
+                          <a:spcPts val="0"/>
+                        </a:spcAft>
+                      </a:pPr>
+                      <a:r>
+                        <a:rPr lang="en-US" sz="1200" dirty="0">
+                          <a:effectLst/>
+                        </a:rPr>
+                        <a:t>500</a:t>
+                      </a:r>
+                      <a:endParaRPr lang="pl-PL" sz="1100" dirty="0">
+                        <a:effectLst/>
+                        <a:latin typeface="Calibri"/>
+                        <a:ea typeface="Calibri"/>
+                        <a:cs typeface="Times New Roman"/>
+                      </a:endParaRPr>
+                    </a:p>
+                  </a:txBody>
+                  <a:tcPr marL="68580" marR="68580" marT="0" marB="0" anchor="ctr"/>
                 </a:tc>
                 <a:tc>
                   <a:txBody>
@@ -3790,7 +3956,7 @@
                         <a:rPr lang="en-US" sz="1200">
                           <a:effectLst/>
                         </a:rPr>
-                        <a:t>100</a:t>
+                        <a:t>1000</a:t>
                       </a:r>
                       <a:endParaRPr lang="pl-PL" sz="1100">
                         <a:effectLst/>
@@ -3800,7 +3966,7 @@
                       </a:endParaRPr>
                     </a:p>
                   </a:txBody>
-                  <a:tcPr marL="68580" marR="68580" marT="0" marB="0"/>
+                  <a:tcPr marL="68580" marR="68580" marT="0" marB="0" anchor="ctr"/>
                 </a:tc>
                 <a:tc>
                   <a:txBody>
@@ -3819,7 +3985,7 @@
                         <a:rPr lang="en-US" sz="1200">
                           <a:effectLst/>
                         </a:rPr>
-                        <a:t>200</a:t>
+                        <a:t>2000</a:t>
                       </a:r>
                       <a:endParaRPr lang="pl-PL" sz="1100">
                         <a:effectLst/>
@@ -3829,36 +3995,7 @@
                       </a:endParaRPr>
                     </a:p>
                   </a:txBody>
-                  <a:tcPr marL="68580" marR="68580" marT="0" marB="0"/>
-                </a:tc>
-                <a:tc>
-                  <a:txBody>
-                    <a:bodyPr/>
-                    <a:lstStyle/>
-                    <a:p>
-                      <a:pPr algn="ctr">
-                        <a:lnSpc>
-                          <a:spcPct val="115000"/>
-                        </a:lnSpc>
-                        <a:spcAft>
-                          <a:spcPts val="0"/>
-                        </a:spcAft>
-                      </a:pPr>
-                      <a:r>
-                        <a:rPr lang="en-US" sz="1200" dirty="0">
-                          <a:effectLst/>
-                        </a:rPr>
-                        <a:t>500</a:t>
-                      </a:r>
-                      <a:endParaRPr lang="pl-PL" sz="1100" dirty="0">
-                        <a:effectLst/>
-                        <a:latin typeface="Calibri"/>
-                        <a:ea typeface="Calibri"/>
-                        <a:cs typeface="Times New Roman"/>
-                      </a:endParaRPr>
-                    </a:p>
-                  </a:txBody>
-                  <a:tcPr marL="68580" marR="68580" marT="0" marB="0"/>
+                  <a:tcPr marL="68580" marR="68580" marT="0" marB="0" anchor="ctr"/>
                 </a:tc>
                 <a:tc>
                   <a:txBody>
@@ -3877,7 +4014,7 @@
                         <a:rPr lang="en-US" sz="1200">
                           <a:effectLst/>
                         </a:rPr>
-                        <a:t>1000</a:t>
+                        <a:t>5000</a:t>
                       </a:r>
                       <a:endParaRPr lang="pl-PL" sz="1100">
                         <a:effectLst/>
@@ -3887,7 +4024,7 @@
                       </a:endParaRPr>
                     </a:p>
                   </a:txBody>
-                  <a:tcPr marL="68580" marR="68580" marT="0" marB="0"/>
+                  <a:tcPr marL="68580" marR="68580" marT="0" marB="0" anchor="ctr"/>
                 </a:tc>
                 <a:tc>
                   <a:txBody>
@@ -3906,7 +4043,7 @@
                         <a:rPr lang="en-US" sz="1200">
                           <a:effectLst/>
                         </a:rPr>
-                        <a:t>2000</a:t>
+                        <a:t>10000</a:t>
                       </a:r>
                       <a:endParaRPr lang="pl-PL" sz="1100">
                         <a:effectLst/>
@@ -3916,7 +4053,7 @@
                       </a:endParaRPr>
                     </a:p>
                   </a:txBody>
-                  <a:tcPr marL="68580" marR="68580" marT="0" marB="0"/>
+                  <a:tcPr marL="68580" marR="68580" marT="0" marB="0" anchor="ctr"/>
                 </a:tc>
                 <a:tc>
                   <a:txBody>
@@ -3935,7 +4072,7 @@
                         <a:rPr lang="en-US" sz="1200">
                           <a:effectLst/>
                         </a:rPr>
-                        <a:t>5000</a:t>
+                        <a:t>20000</a:t>
                       </a:r>
                       <a:endParaRPr lang="pl-PL" sz="1100">
                         <a:effectLst/>
@@ -3945,7 +4082,7 @@
                       </a:endParaRPr>
                     </a:p>
                   </a:txBody>
-                  <a:tcPr marL="68580" marR="68580" marT="0" marB="0"/>
+                  <a:tcPr marL="68580" marR="68580" marT="0" marB="0" anchor="ctr"/>
                 </a:tc>
                 <a:tc>
                   <a:txBody>
@@ -3964,7 +4101,7 @@
                         <a:rPr lang="en-US" sz="1200">
                           <a:effectLst/>
                         </a:rPr>
-                        <a:t>10000</a:t>
+                        <a:t>50000</a:t>
                       </a:r>
                       <a:endParaRPr lang="pl-PL" sz="1100">
                         <a:effectLst/>
@@ -3974,65 +4111,7 @@
                       </a:endParaRPr>
                     </a:p>
                   </a:txBody>
-                  <a:tcPr marL="68580" marR="68580" marT="0" marB="0"/>
-                </a:tc>
-                <a:tc>
-                  <a:txBody>
-                    <a:bodyPr/>
-                    <a:lstStyle/>
-                    <a:p>
-                      <a:pPr algn="ctr">
-                        <a:lnSpc>
-                          <a:spcPct val="115000"/>
-                        </a:lnSpc>
-                        <a:spcAft>
-                          <a:spcPts val="0"/>
-                        </a:spcAft>
-                      </a:pPr>
-                      <a:r>
-                        <a:rPr lang="en-US" sz="1200">
-                          <a:effectLst/>
-                        </a:rPr>
-                        <a:t>20000</a:t>
-                      </a:r>
-                      <a:endParaRPr lang="pl-PL" sz="1100">
-                        <a:effectLst/>
-                        <a:latin typeface="Calibri"/>
-                        <a:ea typeface="Calibri"/>
-                        <a:cs typeface="Times New Roman"/>
-                      </a:endParaRPr>
-                    </a:p>
-                  </a:txBody>
-                  <a:tcPr marL="68580" marR="68580" marT="0" marB="0"/>
-                </a:tc>
-                <a:tc>
-                  <a:txBody>
-                    <a:bodyPr/>
-                    <a:lstStyle/>
-                    <a:p>
-                      <a:pPr algn="ctr">
-                        <a:lnSpc>
-                          <a:spcPct val="115000"/>
-                        </a:lnSpc>
-                        <a:spcAft>
-                          <a:spcPts val="0"/>
-                        </a:spcAft>
-                      </a:pPr>
-                      <a:r>
-                        <a:rPr lang="en-US" sz="1200">
-                          <a:effectLst/>
-                        </a:rPr>
-                        <a:t>50000</a:t>
-                      </a:r>
-                      <a:endParaRPr lang="pl-PL" sz="1100">
-                        <a:effectLst/>
-                        <a:latin typeface="Calibri"/>
-                        <a:ea typeface="Calibri"/>
-                        <a:cs typeface="Times New Roman"/>
-                      </a:endParaRPr>
-                    </a:p>
-                  </a:txBody>
-                  <a:tcPr marL="68580" marR="68580" marT="0" marB="0"/>
+                  <a:tcPr marL="68580" marR="68580" marT="0" marB="0" anchor="ctr"/>
                 </a:tc>
               </a:tr>
               <a:tr h="537232">
@@ -4063,7 +4142,7 @@
                       </a:endParaRPr>
                     </a:p>
                   </a:txBody>
-                  <a:tcPr marL="68580" marR="68580" marT="0" marB="0"/>
+                  <a:tcPr marL="68580" marR="68580" marT="0" marB="0" anchor="ctr"/>
                 </a:tc>
                 <a:tc>
                   <a:txBody>
@@ -4092,7 +4171,7 @@
                       </a:endParaRPr>
                     </a:p>
                   </a:txBody>
-                  <a:tcPr marL="68580" marR="68580" marT="0" marB="0"/>
+                  <a:tcPr marL="68580" marR="68580" marT="0" marB="0" anchor="ctr"/>
                 </a:tc>
                 <a:tc>
                   <a:txBody>
@@ -4121,7 +4200,7 @@
                       </a:endParaRPr>
                     </a:p>
                   </a:txBody>
-                  <a:tcPr marL="68580" marR="68580" marT="0" marB="0"/>
+                  <a:tcPr marL="68580" marR="68580" marT="0" marB="0" anchor="ctr"/>
                 </a:tc>
                 <a:tc>
                   <a:txBody>
@@ -4150,7 +4229,7 @@
                       </a:endParaRPr>
                     </a:p>
                   </a:txBody>
-                  <a:tcPr marL="68580" marR="68580" marT="0" marB="0"/>
+                  <a:tcPr marL="68580" marR="68580" marT="0" marB="0" anchor="ctr"/>
                 </a:tc>
                 <a:tc>
                   <a:txBody>
@@ -4179,7 +4258,7 @@
                       </a:endParaRPr>
                     </a:p>
                   </a:txBody>
-                  <a:tcPr marL="68580" marR="68580" marT="0" marB="0"/>
+                  <a:tcPr marL="68580" marR="68580" marT="0" marB="0" anchor="ctr"/>
                 </a:tc>
                 <a:tc>
                   <a:txBody>
@@ -4208,7 +4287,7 @@
                       </a:endParaRPr>
                     </a:p>
                   </a:txBody>
-                  <a:tcPr marL="68580" marR="68580" marT="0" marB="0"/>
+                  <a:tcPr marL="68580" marR="68580" marT="0" marB="0" anchor="ctr"/>
                 </a:tc>
                 <a:tc>
                   <a:txBody>
@@ -4237,7 +4316,7 @@
                       </a:endParaRPr>
                     </a:p>
                   </a:txBody>
-                  <a:tcPr marL="68580" marR="68580" marT="0" marB="0"/>
+                  <a:tcPr marL="68580" marR="68580" marT="0" marB="0" anchor="ctr"/>
                 </a:tc>
                 <a:tc>
                   <a:txBody>
@@ -4266,7 +4345,7 @@
                       </a:endParaRPr>
                     </a:p>
                   </a:txBody>
-                  <a:tcPr marL="68580" marR="68580" marT="0" marB="0"/>
+                  <a:tcPr marL="68580" marR="68580" marT="0" marB="0" anchor="ctr"/>
                 </a:tc>
                 <a:tc>
                   <a:txBody>
@@ -4295,7 +4374,7 @@
                       </a:endParaRPr>
                     </a:p>
                   </a:txBody>
-                  <a:tcPr marL="68580" marR="68580" marT="0" marB="0"/>
+                  <a:tcPr marL="68580" marR="68580" marT="0" marB="0" anchor="ctr"/>
                 </a:tc>
                 <a:tc>
                   <a:txBody>
@@ -4324,7 +4403,7 @@
                       </a:endParaRPr>
                     </a:p>
                   </a:txBody>
-                  <a:tcPr marL="68580" marR="68580" marT="0" marB="0"/>
+                  <a:tcPr marL="68580" marR="68580" marT="0" marB="0" anchor="ctr"/>
                 </a:tc>
                 <a:tc>
                   <a:txBody>
@@ -4353,7 +4432,7 @@
                       </a:endParaRPr>
                     </a:p>
                   </a:txBody>
-                  <a:tcPr marL="68580" marR="68580" marT="0" marB="0"/>
+                  <a:tcPr marL="68580" marR="68580" marT="0" marB="0" anchor="ctr"/>
                 </a:tc>
                 <a:tc>
                   <a:txBody>
@@ -4382,7 +4461,7 @@
                       </a:endParaRPr>
                     </a:p>
                   </a:txBody>
-                  <a:tcPr marL="68580" marR="68580" marT="0" marB="0"/>
+                  <a:tcPr marL="68580" marR="68580" marT="0" marB="0" anchor="ctr"/>
                 </a:tc>
               </a:tr>
               <a:tr h="537232">
@@ -4413,7 +4492,7 @@
                       </a:endParaRPr>
                     </a:p>
                   </a:txBody>
-                  <a:tcPr marL="68580" marR="68580" marT="0" marB="0"/>
+                  <a:tcPr marL="68580" marR="68580" marT="0" marB="0" anchor="ctr"/>
                 </a:tc>
                 <a:tc>
                   <a:txBody>
@@ -4442,7 +4521,7 @@
                       </a:endParaRPr>
                     </a:p>
                   </a:txBody>
-                  <a:tcPr marL="68580" marR="68580" marT="0" marB="0"/>
+                  <a:tcPr marL="68580" marR="68580" marT="0" marB="0" anchor="ctr"/>
                 </a:tc>
                 <a:tc>
                   <a:txBody>
@@ -4471,7 +4550,7 @@
                       </a:endParaRPr>
                     </a:p>
                   </a:txBody>
-                  <a:tcPr marL="68580" marR="68580" marT="0" marB="0"/>
+                  <a:tcPr marL="68580" marR="68580" marT="0" marB="0" anchor="ctr"/>
                 </a:tc>
                 <a:tc>
                   <a:txBody>
@@ -4500,7 +4579,7 @@
                       </a:endParaRPr>
                     </a:p>
                   </a:txBody>
-                  <a:tcPr marL="68580" marR="68580" marT="0" marB="0"/>
+                  <a:tcPr marL="68580" marR="68580" marT="0" marB="0" anchor="ctr"/>
                 </a:tc>
                 <a:tc>
                   <a:txBody>
@@ -4529,7 +4608,7 @@
                       </a:endParaRPr>
                     </a:p>
                   </a:txBody>
-                  <a:tcPr marL="68580" marR="68580" marT="0" marB="0"/>
+                  <a:tcPr marL="68580" marR="68580" marT="0" marB="0" anchor="ctr"/>
                 </a:tc>
                 <a:tc>
                   <a:txBody>
@@ -4558,7 +4637,7 @@
                       </a:endParaRPr>
                     </a:p>
                   </a:txBody>
-                  <a:tcPr marL="68580" marR="68580" marT="0" marB="0"/>
+                  <a:tcPr marL="68580" marR="68580" marT="0" marB="0" anchor="ctr"/>
                 </a:tc>
                 <a:tc>
                   <a:txBody>
@@ -4587,7 +4666,7 @@
                       </a:endParaRPr>
                     </a:p>
                   </a:txBody>
-                  <a:tcPr marL="68580" marR="68580" marT="0" marB="0"/>
+                  <a:tcPr marL="68580" marR="68580" marT="0" marB="0" anchor="ctr"/>
                 </a:tc>
                 <a:tc>
                   <a:txBody>
@@ -4616,7 +4695,7 @@
                       </a:endParaRPr>
                     </a:p>
                   </a:txBody>
-                  <a:tcPr marL="68580" marR="68580" marT="0" marB="0"/>
+                  <a:tcPr marL="68580" marR="68580" marT="0" marB="0" anchor="ctr"/>
                 </a:tc>
                 <a:tc>
                   <a:txBody>
@@ -4645,7 +4724,7 @@
                       </a:endParaRPr>
                     </a:p>
                   </a:txBody>
-                  <a:tcPr marL="68580" marR="68580" marT="0" marB="0"/>
+                  <a:tcPr marL="68580" marR="68580" marT="0" marB="0" anchor="ctr"/>
                 </a:tc>
                 <a:tc>
                   <a:txBody>
@@ -4674,7 +4753,7 @@
                       </a:endParaRPr>
                     </a:p>
                   </a:txBody>
-                  <a:tcPr marL="68580" marR="68580" marT="0" marB="0"/>
+                  <a:tcPr marL="68580" marR="68580" marT="0" marB="0" anchor="ctr"/>
                 </a:tc>
                 <a:tc>
                   <a:txBody>
@@ -4703,7 +4782,7 @@
                       </a:endParaRPr>
                     </a:p>
                   </a:txBody>
-                  <a:tcPr marL="68580" marR="68580" marT="0" marB="0"/>
+                  <a:tcPr marL="68580" marR="68580" marT="0" marB="0" anchor="ctr"/>
                 </a:tc>
                 <a:tc>
                   <a:txBody>
@@ -4732,7 +4811,7 @@
                       </a:endParaRPr>
                     </a:p>
                   </a:txBody>
-                  <a:tcPr marL="68580" marR="68580" marT="0" marB="0"/>
+                  <a:tcPr marL="68580" marR="68580" marT="0" marB="0" anchor="ctr"/>
                 </a:tc>
               </a:tr>
             </a:tbl>
@@ -4893,7 +4972,7 @@
 </p:sld>
 </file>
 
-<file path=ppt/slides/slide11.xml><?xml version="1.0" encoding="utf-8"?>
+<file path=ppt/slides/slide12.xml><?xml version="1.0" encoding="utf-8"?>
 <p:sld xmlns:a="http://schemas.openxmlformats.org/drawingml/2006/main" xmlns:r="http://schemas.openxmlformats.org/officeDocument/2006/relationships" xmlns:p="http://schemas.openxmlformats.org/presentationml/2006/main">
   <p:cSld>
     <p:spTree>
@@ -5087,14 +5166,14 @@
           <p:nvPr>
             <p:extLst>
               <p:ext uri="{D42A27DB-BD31-4B8C-83A1-F6EECF244321}">
-                <p14:modId xmlns:p14="http://schemas.microsoft.com/office/powerpoint/2010/main" val="2189680824"/>
+                <p14:modId xmlns:p14="http://schemas.microsoft.com/office/powerpoint/2010/main" val="3102565270"/>
               </p:ext>
             </p:extLst>
           </p:nvPr>
         </p:nvGraphicFramePr>
         <p:xfrm>
           <a:off x="683568" y="1484784"/>
-          <a:ext cx="7128792" cy="3528389"/>
+          <a:ext cx="7272808" cy="3528389"/>
         </p:xfrm>
         <a:graphic>
           <a:graphicData uri="http://schemas.openxmlformats.org/drawingml/2006/table">
@@ -5103,15 +5182,15 @@
                 <a:tableStyleId>{69CF1AB2-1976-4502-BF36-3FF5EA218861}</a:tableStyleId>
               </a:tblPr>
               <a:tblGrid>
-                <a:gridCol w="660841"/>
-                <a:gridCol w="771365"/>
-                <a:gridCol w="794390"/>
-                <a:gridCol w="832000"/>
-                <a:gridCol w="803601"/>
-                <a:gridCol w="602299"/>
-                <a:gridCol w="909729"/>
-                <a:gridCol w="989343"/>
-                <a:gridCol w="765224"/>
+                <a:gridCol w="504056"/>
+                <a:gridCol w="792088"/>
+                <a:gridCol w="864096"/>
+                <a:gridCol w="898356"/>
+                <a:gridCol w="901844"/>
+                <a:gridCol w="432048"/>
+                <a:gridCol w="1080120"/>
+                <a:gridCol w="1008112"/>
+                <a:gridCol w="792088"/>
               </a:tblGrid>
               <a:tr h="603249">
                 <a:tc>
@@ -5128,12 +5207,12 @@
                         </a:spcAft>
                       </a:pPr>
                       <a:r>
-                        <a:rPr lang="pl-PL" sz="1100" dirty="0">
+                        <a:rPr lang="pl-PL" sz="1400" dirty="0">
                           <a:effectLst/>
                         </a:rPr>
                         <a:t> </a:t>
                       </a:r>
-                      <a:endParaRPr lang="pl-PL" sz="1100" dirty="0">
+                      <a:endParaRPr lang="pl-PL" sz="1400" dirty="0">
                         <a:solidFill>
                           <a:srgbClr val="000000"/>
                         </a:solidFill>
@@ -5160,12 +5239,12 @@
                         </a:spcAft>
                       </a:pPr>
                       <a:r>
-                        <a:rPr lang="pl-PL" sz="1100" dirty="0" err="1">
+                        <a:rPr lang="pl-PL" sz="1400" dirty="0" err="1">
                           <a:effectLst/>
                         </a:rPr>
                         <a:t>lexi_min</a:t>
                       </a:r>
-                      <a:endParaRPr lang="pl-PL" sz="1100" dirty="0">
+                      <a:endParaRPr lang="pl-PL" sz="1400" dirty="0">
                         <a:solidFill>
                           <a:srgbClr val="000000"/>
                         </a:solidFill>
@@ -5192,12 +5271,12 @@
                         </a:spcAft>
                       </a:pPr>
                       <a:r>
-                        <a:rPr lang="pl-PL" sz="1100" dirty="0" err="1">
+                        <a:rPr lang="pl-PL" sz="1400" dirty="0" err="1">
                           <a:effectLst/>
                         </a:rPr>
                         <a:t>lexi_max</a:t>
                       </a:r>
-                      <a:endParaRPr lang="pl-PL" sz="1100" dirty="0">
+                      <a:endParaRPr lang="pl-PL" sz="1400" dirty="0">
                         <a:solidFill>
                           <a:srgbClr val="000000"/>
                         </a:solidFill>
@@ -5224,12 +5303,12 @@
                         </a:spcAft>
                       </a:pPr>
                       <a:r>
-                        <a:rPr lang="pl-PL" sz="1100" dirty="0" err="1">
+                        <a:rPr lang="pl-PL" sz="1400" dirty="0" err="1">
                           <a:effectLst/>
                         </a:rPr>
                         <a:t>max_wsp</a:t>
                       </a:r>
-                      <a:endParaRPr lang="pl-PL" sz="1100" dirty="0">
+                      <a:endParaRPr lang="pl-PL" sz="1400" dirty="0">
                         <a:solidFill>
                           <a:srgbClr val="000000"/>
                         </a:solidFill>
@@ -5256,12 +5335,12 @@
                         </a:spcAft>
                       </a:pPr>
                       <a:r>
-                        <a:rPr lang="pl-PL" sz="1100" dirty="0" err="1">
+                        <a:rPr lang="pl-PL" sz="1400" dirty="0" err="1">
                           <a:effectLst/>
                         </a:rPr>
                         <a:t>min_wsp</a:t>
                       </a:r>
-                      <a:endParaRPr lang="pl-PL" sz="1100" dirty="0">
+                      <a:endParaRPr lang="pl-PL" sz="1400" dirty="0">
                         <a:solidFill>
                           <a:srgbClr val="000000"/>
                         </a:solidFill>
@@ -5288,12 +5367,12 @@
                         </a:spcAft>
                       </a:pPr>
                       <a:r>
-                        <a:rPr lang="pl-PL" sz="1100" dirty="0">
+                        <a:rPr lang="pl-PL" sz="1400" dirty="0">
                           <a:effectLst/>
                         </a:rPr>
                         <a:t>los</a:t>
                       </a:r>
-                      <a:endParaRPr lang="pl-PL" sz="1100" dirty="0">
+                      <a:endParaRPr lang="pl-PL" sz="1400" dirty="0">
                         <a:solidFill>
                           <a:srgbClr val="000000"/>
                         </a:solidFill>
@@ -5320,12 +5399,12 @@
                         </a:spcAft>
                       </a:pPr>
                       <a:r>
-                        <a:rPr lang="pl-PL" sz="1100" dirty="0" err="1">
+                        <a:rPr lang="pl-PL" sz="1400" dirty="0" err="1">
                           <a:effectLst/>
                         </a:rPr>
                         <a:t>max_wzrost</a:t>
                       </a:r>
-                      <a:endParaRPr lang="pl-PL" sz="1100" dirty="0">
+                      <a:endParaRPr lang="pl-PL" sz="1400" dirty="0">
                         <a:solidFill>
                           <a:srgbClr val="000000"/>
                         </a:solidFill>
@@ -5352,12 +5431,12 @@
                         </a:spcAft>
                       </a:pPr>
                       <a:r>
-                        <a:rPr lang="pl-PL" sz="1100" dirty="0" err="1">
+                        <a:rPr lang="pl-PL" sz="1400" dirty="0" err="1">
                           <a:effectLst/>
                         </a:rPr>
                         <a:t>min_wzrost</a:t>
                       </a:r>
-                      <a:endParaRPr lang="pl-PL" sz="1100" dirty="0">
+                      <a:endParaRPr lang="pl-PL" sz="1400" dirty="0">
                         <a:solidFill>
                           <a:srgbClr val="000000"/>
                         </a:solidFill>
@@ -5384,12 +5463,12 @@
                         </a:spcAft>
                       </a:pPr>
                       <a:r>
-                        <a:rPr lang="pl-PL" sz="1100" dirty="0">
+                        <a:rPr lang="pl-PL" sz="1400" dirty="0">
                           <a:effectLst/>
                         </a:rPr>
                         <a:t>gradient</a:t>
                       </a:r>
-                      <a:endParaRPr lang="pl-PL" sz="1100" dirty="0">
+                      <a:endParaRPr lang="pl-PL" sz="1400" dirty="0">
                         <a:solidFill>
                           <a:srgbClr val="000000"/>
                         </a:solidFill>
@@ -5418,12 +5497,12 @@
                         </a:spcAft>
                       </a:pPr>
                       <a:r>
-                        <a:rPr lang="pl-PL" sz="1100" dirty="0">
+                        <a:rPr lang="pl-PL" sz="1400" dirty="0">
                           <a:effectLst/>
                         </a:rPr>
                         <a:t>1</a:t>
                       </a:r>
-                      <a:endParaRPr lang="pl-PL" sz="1100" dirty="0">
+                      <a:endParaRPr lang="pl-PL" sz="1400" dirty="0">
                         <a:solidFill>
                           <a:srgbClr val="000000"/>
                         </a:solidFill>
@@ -5450,12 +5529,12 @@
                         </a:spcAft>
                       </a:pPr>
                       <a:r>
-                        <a:rPr lang="pl-PL" sz="1100">
+                        <a:rPr lang="pl-PL" sz="1400" dirty="0">
                           <a:effectLst/>
                         </a:rPr>
                         <a:t>0</a:t>
                       </a:r>
-                      <a:endParaRPr lang="pl-PL" sz="1100">
+                      <a:endParaRPr lang="pl-PL" sz="1400" dirty="0">
                         <a:solidFill>
                           <a:srgbClr val="000000"/>
                         </a:solidFill>
@@ -5482,12 +5561,12 @@
                         </a:spcAft>
                       </a:pPr>
                       <a:r>
-                        <a:rPr lang="pl-PL" sz="1100">
+                        <a:rPr lang="pl-PL" sz="1400" dirty="0">
                           <a:effectLst/>
                         </a:rPr>
                         <a:t>0</a:t>
                       </a:r>
-                      <a:endParaRPr lang="pl-PL" sz="1100">
+                      <a:endParaRPr lang="pl-PL" sz="1400" dirty="0">
                         <a:solidFill>
                           <a:srgbClr val="000000"/>
                         </a:solidFill>
@@ -5514,12 +5593,12 @@
                         </a:spcAft>
                       </a:pPr>
                       <a:r>
-                        <a:rPr lang="pl-PL" sz="1100">
+                        <a:rPr lang="pl-PL" sz="1400">
                           <a:effectLst/>
                         </a:rPr>
                         <a:t>0</a:t>
                       </a:r>
-                      <a:endParaRPr lang="pl-PL" sz="1100">
+                      <a:endParaRPr lang="pl-PL" sz="1400">
                         <a:solidFill>
                           <a:srgbClr val="000000"/>
                         </a:solidFill>
@@ -5546,12 +5625,12 @@
                         </a:spcAft>
                       </a:pPr>
                       <a:r>
-                        <a:rPr lang="pl-PL" sz="1100">
+                        <a:rPr lang="pl-PL" sz="1400">
                           <a:effectLst/>
                         </a:rPr>
                         <a:t>0</a:t>
                       </a:r>
-                      <a:endParaRPr lang="pl-PL" sz="1100">
+                      <a:endParaRPr lang="pl-PL" sz="1400">
                         <a:solidFill>
                           <a:srgbClr val="000000"/>
                         </a:solidFill>
@@ -5578,12 +5657,12 @@
                         </a:spcAft>
                       </a:pPr>
                       <a:r>
-                        <a:rPr lang="pl-PL" sz="1100">
+                        <a:rPr lang="pl-PL" sz="1400">
                           <a:effectLst/>
                         </a:rPr>
                         <a:t>0</a:t>
                       </a:r>
-                      <a:endParaRPr lang="pl-PL" sz="1100">
+                      <a:endParaRPr lang="pl-PL" sz="1400">
                         <a:solidFill>
                           <a:srgbClr val="000000"/>
                         </a:solidFill>
@@ -5610,12 +5689,12 @@
                         </a:spcAft>
                       </a:pPr>
                       <a:r>
-                        <a:rPr lang="pl-PL" sz="1100">
+                        <a:rPr lang="pl-PL" sz="1400">
                           <a:effectLst/>
                         </a:rPr>
                         <a:t>0</a:t>
                       </a:r>
-                      <a:endParaRPr lang="pl-PL" sz="1100">
+                      <a:endParaRPr lang="pl-PL" sz="1400">
                         <a:solidFill>
                           <a:srgbClr val="000000"/>
                         </a:solidFill>
@@ -5642,12 +5721,12 @@
                         </a:spcAft>
                       </a:pPr>
                       <a:r>
-                        <a:rPr lang="pl-PL" sz="1100">
+                        <a:rPr lang="pl-PL" sz="1400" dirty="0">
                           <a:effectLst/>
                         </a:rPr>
                         <a:t>0</a:t>
                       </a:r>
-                      <a:endParaRPr lang="pl-PL" sz="1100">
+                      <a:endParaRPr lang="pl-PL" sz="1400" dirty="0">
                         <a:solidFill>
                           <a:srgbClr val="000000"/>
                         </a:solidFill>
@@ -5674,12 +5753,12 @@
                         </a:spcAft>
                       </a:pPr>
                       <a:r>
-                        <a:rPr lang="pl-PL" sz="1100">
+                        <a:rPr lang="pl-PL" sz="1400">
                           <a:effectLst/>
                         </a:rPr>
                         <a:t>0</a:t>
                       </a:r>
-                      <a:endParaRPr lang="pl-PL" sz="1100">
+                      <a:endParaRPr lang="pl-PL" sz="1400">
                         <a:solidFill>
                           <a:srgbClr val="000000"/>
                         </a:solidFill>
@@ -5708,12 +5787,12 @@
                         </a:spcAft>
                       </a:pPr>
                       <a:r>
-                        <a:rPr lang="pl-PL" sz="1100" dirty="0">
+                        <a:rPr lang="pl-PL" sz="1400" dirty="0">
                           <a:effectLst/>
                         </a:rPr>
                         <a:t>2</a:t>
                       </a:r>
-                      <a:endParaRPr lang="pl-PL" sz="1100" dirty="0">
+                      <a:endParaRPr lang="pl-PL" sz="1400" dirty="0">
                         <a:solidFill>
                           <a:srgbClr val="000000"/>
                         </a:solidFill>
@@ -5740,12 +5819,12 @@
                         </a:spcAft>
                       </a:pPr>
                       <a:r>
-                        <a:rPr lang="pl-PL" sz="1100">
+                        <a:rPr lang="pl-PL" sz="1400" dirty="0">
                           <a:effectLst/>
                         </a:rPr>
                         <a:t>0</a:t>
                       </a:r>
-                      <a:endParaRPr lang="pl-PL" sz="1100">
+                      <a:endParaRPr lang="pl-PL" sz="1400" dirty="0">
                         <a:solidFill>
                           <a:srgbClr val="000000"/>
                         </a:solidFill>
@@ -5772,12 +5851,12 @@
                         </a:spcAft>
                       </a:pPr>
                       <a:r>
-                        <a:rPr lang="pl-PL" sz="1100">
+                        <a:rPr lang="pl-PL" sz="1400" dirty="0">
                           <a:effectLst/>
                         </a:rPr>
                         <a:t>0</a:t>
                       </a:r>
-                      <a:endParaRPr lang="pl-PL" sz="1100">
+                      <a:endParaRPr lang="pl-PL" sz="1400" dirty="0">
                         <a:solidFill>
                           <a:srgbClr val="000000"/>
                         </a:solidFill>
@@ -5804,12 +5883,12 @@
                         </a:spcAft>
                       </a:pPr>
                       <a:r>
-                        <a:rPr lang="pl-PL" sz="1100">
+                        <a:rPr lang="pl-PL" sz="1400" dirty="0">
                           <a:effectLst/>
                         </a:rPr>
                         <a:t>0</a:t>
                       </a:r>
-                      <a:endParaRPr lang="pl-PL" sz="1100">
+                      <a:endParaRPr lang="pl-PL" sz="1400" dirty="0">
                         <a:solidFill>
                           <a:srgbClr val="000000"/>
                         </a:solidFill>
@@ -5836,12 +5915,12 @@
                         </a:spcAft>
                       </a:pPr>
                       <a:r>
-                        <a:rPr lang="pl-PL" sz="1100">
+                        <a:rPr lang="pl-PL" sz="1400">
                           <a:effectLst/>
                         </a:rPr>
                         <a:t>0</a:t>
                       </a:r>
-                      <a:endParaRPr lang="pl-PL" sz="1100">
+                      <a:endParaRPr lang="pl-PL" sz="1400">
                         <a:solidFill>
                           <a:srgbClr val="000000"/>
                         </a:solidFill>
@@ -5868,12 +5947,12 @@
                         </a:spcAft>
                       </a:pPr>
                       <a:r>
-                        <a:rPr lang="pl-PL" sz="1100">
+                        <a:rPr lang="pl-PL" sz="1400">
                           <a:effectLst/>
                         </a:rPr>
                         <a:t>0</a:t>
                       </a:r>
-                      <a:endParaRPr lang="pl-PL" sz="1100">
+                      <a:endParaRPr lang="pl-PL" sz="1400">
                         <a:solidFill>
                           <a:srgbClr val="000000"/>
                         </a:solidFill>
@@ -5900,12 +5979,12 @@
                         </a:spcAft>
                       </a:pPr>
                       <a:r>
-                        <a:rPr lang="pl-PL" sz="1100">
+                        <a:rPr lang="pl-PL" sz="1400">
                           <a:effectLst/>
                         </a:rPr>
                         <a:t>0</a:t>
                       </a:r>
-                      <a:endParaRPr lang="pl-PL" sz="1100">
+                      <a:endParaRPr lang="pl-PL" sz="1400">
                         <a:solidFill>
                           <a:srgbClr val="000000"/>
                         </a:solidFill>
@@ -5932,12 +6011,12 @@
                         </a:spcAft>
                       </a:pPr>
                       <a:r>
-                        <a:rPr lang="pl-PL" sz="1100">
+                        <a:rPr lang="pl-PL" sz="1400">
                           <a:effectLst/>
                         </a:rPr>
                         <a:t>0</a:t>
                       </a:r>
-                      <a:endParaRPr lang="pl-PL" sz="1100">
+                      <a:endParaRPr lang="pl-PL" sz="1400">
                         <a:solidFill>
                           <a:srgbClr val="000000"/>
                         </a:solidFill>
@@ -5964,12 +6043,12 @@
                         </a:spcAft>
                       </a:pPr>
                       <a:r>
-                        <a:rPr lang="pl-PL" sz="1100">
+                        <a:rPr lang="pl-PL" sz="1400">
                           <a:effectLst/>
                         </a:rPr>
                         <a:t>0</a:t>
                       </a:r>
-                      <a:endParaRPr lang="pl-PL" sz="1100">
+                      <a:endParaRPr lang="pl-PL" sz="1400">
                         <a:solidFill>
                           <a:srgbClr val="000000"/>
                         </a:solidFill>
@@ -5998,12 +6077,12 @@
                         </a:spcAft>
                       </a:pPr>
                       <a:r>
-                        <a:rPr lang="pl-PL" sz="1100">
+                        <a:rPr lang="pl-PL" sz="1400">
                           <a:effectLst/>
                         </a:rPr>
                         <a:t>3</a:t>
                       </a:r>
-                      <a:endParaRPr lang="pl-PL" sz="1100">
+                      <a:endParaRPr lang="pl-PL" sz="1400">
                         <a:solidFill>
                           <a:srgbClr val="000000"/>
                         </a:solidFill>
@@ -6030,12 +6109,12 @@
                         </a:spcAft>
                       </a:pPr>
                       <a:r>
-                        <a:rPr lang="pl-PL" sz="1100" dirty="0">
+                        <a:rPr lang="pl-PL" sz="1400" dirty="0">
                           <a:effectLst/>
                         </a:rPr>
                         <a:t>2</a:t>
                       </a:r>
-                      <a:endParaRPr lang="pl-PL" sz="1100" dirty="0">
+                      <a:endParaRPr lang="pl-PL" sz="1400" dirty="0">
                         <a:solidFill>
                           <a:srgbClr val="000000"/>
                         </a:solidFill>
@@ -6062,12 +6141,12 @@
                         </a:spcAft>
                       </a:pPr>
                       <a:r>
-                        <a:rPr lang="pl-PL" sz="1100">
+                        <a:rPr lang="pl-PL" sz="1400" dirty="0">
                           <a:effectLst/>
                         </a:rPr>
                         <a:t>6</a:t>
                       </a:r>
-                      <a:endParaRPr lang="pl-PL" sz="1100">
+                      <a:endParaRPr lang="pl-PL" sz="1400" dirty="0">
                         <a:solidFill>
                           <a:srgbClr val="000000"/>
                         </a:solidFill>
@@ -6094,12 +6173,12 @@
                         </a:spcAft>
                       </a:pPr>
                       <a:r>
-                        <a:rPr lang="pl-PL" sz="1100">
+                        <a:rPr lang="pl-PL" sz="1400" dirty="0">
                           <a:effectLst/>
                         </a:rPr>
                         <a:t>2</a:t>
                       </a:r>
-                      <a:endParaRPr lang="pl-PL" sz="1100">
+                      <a:endParaRPr lang="pl-PL" sz="1400" dirty="0">
                         <a:solidFill>
                           <a:srgbClr val="000000"/>
                         </a:solidFill>
@@ -6126,12 +6205,12 @@
                         </a:spcAft>
                       </a:pPr>
                       <a:r>
-                        <a:rPr lang="pl-PL" sz="1100">
+                        <a:rPr lang="pl-PL" sz="1400" dirty="0">
                           <a:effectLst/>
                         </a:rPr>
                         <a:t>2</a:t>
                       </a:r>
-                      <a:endParaRPr lang="pl-PL" sz="1100">
+                      <a:endParaRPr lang="pl-PL" sz="1400" dirty="0">
                         <a:solidFill>
                           <a:srgbClr val="000000"/>
                         </a:solidFill>
@@ -6158,12 +6237,12 @@
                         </a:spcAft>
                       </a:pPr>
                       <a:r>
-                        <a:rPr lang="pl-PL" sz="1100">
+                        <a:rPr lang="pl-PL" sz="1400">
                           <a:effectLst/>
                         </a:rPr>
                         <a:t>1</a:t>
                       </a:r>
-                      <a:endParaRPr lang="pl-PL" sz="1100">
+                      <a:endParaRPr lang="pl-PL" sz="1400">
                         <a:solidFill>
                           <a:srgbClr val="000000"/>
                         </a:solidFill>
@@ -6190,12 +6269,12 @@
                         </a:spcAft>
                       </a:pPr>
                       <a:r>
-                        <a:rPr lang="pl-PL" sz="1100">
+                        <a:rPr lang="pl-PL" sz="1400">
                           <a:effectLst/>
                         </a:rPr>
                         <a:t>2</a:t>
                       </a:r>
-                      <a:endParaRPr lang="pl-PL" sz="1100">
+                      <a:endParaRPr lang="pl-PL" sz="1400">
                         <a:solidFill>
                           <a:srgbClr val="000000"/>
                         </a:solidFill>
@@ -6222,12 +6301,12 @@
                         </a:spcAft>
                       </a:pPr>
                       <a:r>
-                        <a:rPr lang="pl-PL" sz="1100">
+                        <a:rPr lang="pl-PL" sz="1400">
                           <a:effectLst/>
                         </a:rPr>
                         <a:t>2</a:t>
                       </a:r>
-                      <a:endParaRPr lang="pl-PL" sz="1100">
+                      <a:endParaRPr lang="pl-PL" sz="1400">
                         <a:solidFill>
                           <a:srgbClr val="000000"/>
                         </a:solidFill>
@@ -6254,12 +6333,12 @@
                         </a:spcAft>
                       </a:pPr>
                       <a:r>
-                        <a:rPr lang="pl-PL" sz="1100">
+                        <a:rPr lang="pl-PL" sz="1400">
                           <a:effectLst/>
                         </a:rPr>
                         <a:t>2</a:t>
                       </a:r>
-                      <a:endParaRPr lang="pl-PL" sz="1100">
+                      <a:endParaRPr lang="pl-PL" sz="1400">
                         <a:solidFill>
                           <a:srgbClr val="000000"/>
                         </a:solidFill>
@@ -6288,12 +6367,12 @@
                         </a:spcAft>
                       </a:pPr>
                       <a:r>
-                        <a:rPr lang="pl-PL" sz="1100">
+                        <a:rPr lang="pl-PL" sz="1400">
                           <a:effectLst/>
                         </a:rPr>
                         <a:t>4</a:t>
                       </a:r>
-                      <a:endParaRPr lang="pl-PL" sz="1100">
+                      <a:endParaRPr lang="pl-PL" sz="1400">
                         <a:solidFill>
                           <a:srgbClr val="000000"/>
                         </a:solidFill>
@@ -6320,12 +6399,12 @@
                         </a:spcAft>
                       </a:pPr>
                       <a:r>
-                        <a:rPr lang="pl-PL" sz="1100">
+                        <a:rPr lang="pl-PL" sz="1400">
                           <a:effectLst/>
                         </a:rPr>
                         <a:t>0</a:t>
                       </a:r>
-                      <a:endParaRPr lang="pl-PL" sz="1100">
+                      <a:endParaRPr lang="pl-PL" sz="1400">
                         <a:solidFill>
                           <a:srgbClr val="000000"/>
                         </a:solidFill>
@@ -6352,12 +6431,12 @@
                         </a:spcAft>
                       </a:pPr>
                       <a:r>
-                        <a:rPr lang="pl-PL" sz="1100" dirty="0">
+                        <a:rPr lang="pl-PL" sz="1400" dirty="0">
                           <a:effectLst/>
                         </a:rPr>
                         <a:t>0</a:t>
                       </a:r>
-                      <a:endParaRPr lang="pl-PL" sz="1100" dirty="0">
+                      <a:endParaRPr lang="pl-PL" sz="1400" dirty="0">
                         <a:solidFill>
                           <a:srgbClr val="000000"/>
                         </a:solidFill>
@@ -6384,12 +6463,12 @@
                         </a:spcAft>
                       </a:pPr>
                       <a:r>
-                        <a:rPr lang="pl-PL" sz="1100">
+                        <a:rPr lang="pl-PL" sz="1400">
                           <a:effectLst/>
                         </a:rPr>
                         <a:t>0</a:t>
                       </a:r>
-                      <a:endParaRPr lang="pl-PL" sz="1100">
+                      <a:endParaRPr lang="pl-PL" sz="1400">
                         <a:solidFill>
                           <a:srgbClr val="000000"/>
                         </a:solidFill>
@@ -6416,12 +6495,12 @@
                         </a:spcAft>
                       </a:pPr>
                       <a:r>
-                        <a:rPr lang="pl-PL" sz="1100">
+                        <a:rPr lang="pl-PL" sz="1400">
                           <a:effectLst/>
                         </a:rPr>
                         <a:t>0</a:t>
                       </a:r>
-                      <a:endParaRPr lang="pl-PL" sz="1100">
+                      <a:endParaRPr lang="pl-PL" sz="1400">
                         <a:solidFill>
                           <a:srgbClr val="000000"/>
                         </a:solidFill>
@@ -6448,12 +6527,12 @@
                         </a:spcAft>
                       </a:pPr>
                       <a:r>
-                        <a:rPr lang="pl-PL" sz="1100">
+                        <a:rPr lang="pl-PL" sz="1400">
                           <a:effectLst/>
                         </a:rPr>
                         <a:t>0</a:t>
                       </a:r>
-                      <a:endParaRPr lang="pl-PL" sz="1100">
+                      <a:endParaRPr lang="pl-PL" sz="1400">
                         <a:solidFill>
                           <a:srgbClr val="000000"/>
                         </a:solidFill>
@@ -6480,12 +6559,12 @@
                         </a:spcAft>
                       </a:pPr>
                       <a:r>
-                        <a:rPr lang="pl-PL" sz="1100">
+                        <a:rPr lang="pl-PL" sz="1400">
                           <a:effectLst/>
                         </a:rPr>
                         <a:t>0</a:t>
                       </a:r>
-                      <a:endParaRPr lang="pl-PL" sz="1100">
+                      <a:endParaRPr lang="pl-PL" sz="1400">
                         <a:solidFill>
                           <a:srgbClr val="000000"/>
                         </a:solidFill>
@@ -6512,12 +6591,12 @@
                         </a:spcAft>
                       </a:pPr>
                       <a:r>
-                        <a:rPr lang="pl-PL" sz="1100">
+                        <a:rPr lang="pl-PL" sz="1400">
                           <a:effectLst/>
                         </a:rPr>
                         <a:t>0</a:t>
                       </a:r>
-                      <a:endParaRPr lang="pl-PL" sz="1100">
+                      <a:endParaRPr lang="pl-PL" sz="1400">
                         <a:solidFill>
                           <a:srgbClr val="000000"/>
                         </a:solidFill>
@@ -6544,12 +6623,12 @@
                         </a:spcAft>
                       </a:pPr>
                       <a:r>
-                        <a:rPr lang="pl-PL" sz="1100">
+                        <a:rPr lang="pl-PL" sz="1400">
                           <a:effectLst/>
                         </a:rPr>
                         <a:t>0</a:t>
                       </a:r>
-                      <a:endParaRPr lang="pl-PL" sz="1100">
+                      <a:endParaRPr lang="pl-PL" sz="1400">
                         <a:solidFill>
                           <a:srgbClr val="000000"/>
                         </a:solidFill>
@@ -6578,12 +6657,12 @@
                         </a:spcAft>
                       </a:pPr>
                       <a:r>
-                        <a:rPr lang="pl-PL" sz="1100">
+                        <a:rPr lang="pl-PL" sz="1400">
                           <a:effectLst/>
                         </a:rPr>
                         <a:t>5</a:t>
                       </a:r>
-                      <a:endParaRPr lang="pl-PL" sz="1100">
+                      <a:endParaRPr lang="pl-PL" sz="1400">
                         <a:solidFill>
                           <a:srgbClr val="000000"/>
                         </a:solidFill>
@@ -6610,12 +6689,12 @@
                         </a:spcAft>
                       </a:pPr>
                       <a:r>
-                        <a:rPr lang="pl-PL" sz="1100">
+                        <a:rPr lang="pl-PL" sz="1400">
                           <a:effectLst/>
                         </a:rPr>
                         <a:t>2</a:t>
                       </a:r>
-                      <a:endParaRPr lang="pl-PL" sz="1100">
+                      <a:endParaRPr lang="pl-PL" sz="1400">
                         <a:solidFill>
                           <a:srgbClr val="000000"/>
                         </a:solidFill>
@@ -6642,12 +6721,12 @@
                         </a:spcAft>
                       </a:pPr>
                       <a:r>
-                        <a:rPr lang="pl-PL" sz="1100" dirty="0">
+                        <a:rPr lang="pl-PL" sz="1400" dirty="0">
                           <a:effectLst/>
                         </a:rPr>
                         <a:t>2</a:t>
                       </a:r>
-                      <a:endParaRPr lang="pl-PL" sz="1100" dirty="0">
+                      <a:endParaRPr lang="pl-PL" sz="1400" dirty="0">
                         <a:solidFill>
                           <a:srgbClr val="000000"/>
                         </a:solidFill>
@@ -6674,12 +6753,12 @@
                         </a:spcAft>
                       </a:pPr>
                       <a:r>
-                        <a:rPr lang="pl-PL" sz="1100">
+                        <a:rPr lang="pl-PL" sz="1400">
                           <a:effectLst/>
                         </a:rPr>
                         <a:t>2</a:t>
                       </a:r>
-                      <a:endParaRPr lang="pl-PL" sz="1100">
+                      <a:endParaRPr lang="pl-PL" sz="1400">
                         <a:solidFill>
                           <a:srgbClr val="000000"/>
                         </a:solidFill>
@@ -6706,12 +6785,12 @@
                         </a:spcAft>
                       </a:pPr>
                       <a:r>
-                        <a:rPr lang="pl-PL" sz="1100">
+                        <a:rPr lang="pl-PL" sz="1400" dirty="0">
                           <a:effectLst/>
                         </a:rPr>
                         <a:t>2</a:t>
                       </a:r>
-                      <a:endParaRPr lang="pl-PL" sz="1100">
+                      <a:endParaRPr lang="pl-PL" sz="1400" dirty="0">
                         <a:solidFill>
                           <a:srgbClr val="000000"/>
                         </a:solidFill>
@@ -6738,12 +6817,12 @@
                         </a:spcAft>
                       </a:pPr>
                       <a:r>
-                        <a:rPr lang="pl-PL" sz="1100">
+                        <a:rPr lang="pl-PL" sz="1400">
                           <a:effectLst/>
                         </a:rPr>
                         <a:t>2</a:t>
                       </a:r>
-                      <a:endParaRPr lang="pl-PL" sz="1100">
+                      <a:endParaRPr lang="pl-PL" sz="1400">
                         <a:solidFill>
                           <a:srgbClr val="000000"/>
                         </a:solidFill>
@@ -6770,12 +6849,12 @@
                         </a:spcAft>
                       </a:pPr>
                       <a:r>
-                        <a:rPr lang="pl-PL" sz="1100">
+                        <a:rPr lang="pl-PL" sz="1400" dirty="0">
                           <a:effectLst/>
                         </a:rPr>
                         <a:t>2</a:t>
                       </a:r>
-                      <a:endParaRPr lang="pl-PL" sz="1100">
+                      <a:endParaRPr lang="pl-PL" sz="1400" dirty="0">
                         <a:solidFill>
                           <a:srgbClr val="000000"/>
                         </a:solidFill>
@@ -6802,12 +6881,12 @@
                         </a:spcAft>
                       </a:pPr>
                       <a:r>
-                        <a:rPr lang="pl-PL" sz="1100">
+                        <a:rPr lang="pl-PL" sz="1400">
                           <a:effectLst/>
                         </a:rPr>
                         <a:t>2</a:t>
                       </a:r>
-                      <a:endParaRPr lang="pl-PL" sz="1100">
+                      <a:endParaRPr lang="pl-PL" sz="1400">
                         <a:solidFill>
                           <a:srgbClr val="000000"/>
                         </a:solidFill>
@@ -6834,12 +6913,12 @@
                         </a:spcAft>
                       </a:pPr>
                       <a:r>
-                        <a:rPr lang="pl-PL" sz="1100">
+                        <a:rPr lang="pl-PL" sz="1400">
                           <a:effectLst/>
                         </a:rPr>
                         <a:t>2</a:t>
                       </a:r>
-                      <a:endParaRPr lang="pl-PL" sz="1100">
+                      <a:endParaRPr lang="pl-PL" sz="1400">
                         <a:solidFill>
                           <a:srgbClr val="000000"/>
                         </a:solidFill>
@@ -6868,12 +6947,12 @@
                         </a:spcAft>
                       </a:pPr>
                       <a:r>
-                        <a:rPr lang="pl-PL" sz="1100">
+                        <a:rPr lang="pl-PL" sz="1400">
                           <a:effectLst/>
                         </a:rPr>
                         <a:t>6</a:t>
                       </a:r>
-                      <a:endParaRPr lang="pl-PL" sz="1100">
+                      <a:endParaRPr lang="pl-PL" sz="1400">
                         <a:solidFill>
                           <a:srgbClr val="000000"/>
                         </a:solidFill>
@@ -6900,12 +6979,12 @@
                         </a:spcAft>
                       </a:pPr>
                       <a:r>
-                        <a:rPr lang="pl-PL" sz="1100">
+                        <a:rPr lang="pl-PL" sz="1400">
                           <a:effectLst/>
                         </a:rPr>
                         <a:t>0</a:t>
                       </a:r>
-                      <a:endParaRPr lang="pl-PL" sz="1100">
+                      <a:endParaRPr lang="pl-PL" sz="1400">
                         <a:solidFill>
                           <a:srgbClr val="000000"/>
                         </a:solidFill>
@@ -6932,12 +7011,12 @@
                         </a:spcAft>
                       </a:pPr>
                       <a:r>
-                        <a:rPr lang="pl-PL" sz="1100">
+                        <a:rPr lang="pl-PL" sz="1400">
                           <a:effectLst/>
                         </a:rPr>
                         <a:t>0</a:t>
                       </a:r>
-                      <a:endParaRPr lang="pl-PL" sz="1100">
+                      <a:endParaRPr lang="pl-PL" sz="1400">
                         <a:solidFill>
                           <a:srgbClr val="000000"/>
                         </a:solidFill>
@@ -6964,12 +7043,12 @@
                         </a:spcAft>
                       </a:pPr>
                       <a:r>
-                        <a:rPr lang="pl-PL" sz="1100">
+                        <a:rPr lang="pl-PL" sz="1400" dirty="0">
                           <a:effectLst/>
                         </a:rPr>
                         <a:t>0</a:t>
                       </a:r>
-                      <a:endParaRPr lang="pl-PL" sz="1100">
+                      <a:endParaRPr lang="pl-PL" sz="1400" dirty="0">
                         <a:solidFill>
                           <a:srgbClr val="000000"/>
                         </a:solidFill>
@@ -6996,12 +7075,12 @@
                         </a:spcAft>
                       </a:pPr>
                       <a:r>
-                        <a:rPr lang="pl-PL" sz="1100">
+                        <a:rPr lang="pl-PL" sz="1400">
                           <a:effectLst/>
                         </a:rPr>
                         <a:t>0</a:t>
                       </a:r>
-                      <a:endParaRPr lang="pl-PL" sz="1100">
+                      <a:endParaRPr lang="pl-PL" sz="1400">
                         <a:solidFill>
                           <a:srgbClr val="000000"/>
                         </a:solidFill>
@@ -7028,12 +7107,12 @@
                         </a:spcAft>
                       </a:pPr>
                       <a:r>
-                        <a:rPr lang="pl-PL" sz="1100">
+                        <a:rPr lang="pl-PL" sz="1400" dirty="0">
                           <a:effectLst/>
                         </a:rPr>
                         <a:t>0</a:t>
                       </a:r>
-                      <a:endParaRPr lang="pl-PL" sz="1100">
+                      <a:endParaRPr lang="pl-PL" sz="1400" dirty="0">
                         <a:solidFill>
                           <a:srgbClr val="000000"/>
                         </a:solidFill>
@@ -7060,12 +7139,12 @@
                         </a:spcAft>
                       </a:pPr>
                       <a:r>
-                        <a:rPr lang="pl-PL" sz="1100">
+                        <a:rPr lang="pl-PL" sz="1400">
                           <a:effectLst/>
                         </a:rPr>
                         <a:t>0</a:t>
                       </a:r>
-                      <a:endParaRPr lang="pl-PL" sz="1100">
+                      <a:endParaRPr lang="pl-PL" sz="1400">
                         <a:solidFill>
                           <a:srgbClr val="000000"/>
                         </a:solidFill>
@@ -7092,12 +7171,12 @@
                         </a:spcAft>
                       </a:pPr>
                       <a:r>
-                        <a:rPr lang="pl-PL" sz="1100">
+                        <a:rPr lang="pl-PL" sz="1400" dirty="0">
                           <a:effectLst/>
                         </a:rPr>
                         <a:t>0</a:t>
                       </a:r>
-                      <a:endParaRPr lang="pl-PL" sz="1100">
+                      <a:endParaRPr lang="pl-PL" sz="1400" dirty="0">
                         <a:solidFill>
                           <a:srgbClr val="000000"/>
                         </a:solidFill>
@@ -7124,12 +7203,12 @@
                         </a:spcAft>
                       </a:pPr>
                       <a:r>
-                        <a:rPr lang="pl-PL" sz="1100">
+                        <a:rPr lang="pl-PL" sz="1400">
                           <a:effectLst/>
                         </a:rPr>
                         <a:t>0</a:t>
                       </a:r>
-                      <a:endParaRPr lang="pl-PL" sz="1100">
+                      <a:endParaRPr lang="pl-PL" sz="1400">
                         <a:solidFill>
                           <a:srgbClr val="000000"/>
                         </a:solidFill>
@@ -7158,12 +7237,12 @@
                         </a:spcAft>
                       </a:pPr>
                       <a:r>
-                        <a:rPr lang="pl-PL" sz="1100">
+                        <a:rPr lang="pl-PL" sz="1400">
                           <a:effectLst/>
                         </a:rPr>
                         <a:t>7</a:t>
                       </a:r>
-                      <a:endParaRPr lang="pl-PL" sz="1100">
+                      <a:endParaRPr lang="pl-PL" sz="1400">
                         <a:solidFill>
                           <a:srgbClr val="000000"/>
                         </a:solidFill>
@@ -7190,12 +7269,12 @@
                         </a:spcAft>
                       </a:pPr>
                       <a:r>
-                        <a:rPr lang="pl-PL" sz="1100">
+                        <a:rPr lang="pl-PL" sz="1400">
                           <a:effectLst/>
                         </a:rPr>
                         <a:t>0</a:t>
                       </a:r>
-                      <a:endParaRPr lang="pl-PL" sz="1100">
+                      <a:endParaRPr lang="pl-PL" sz="1400">
                         <a:solidFill>
                           <a:srgbClr val="000000"/>
                         </a:solidFill>
@@ -7222,12 +7301,12 @@
                         </a:spcAft>
                       </a:pPr>
                       <a:r>
-                        <a:rPr lang="pl-PL" sz="1100">
+                        <a:rPr lang="pl-PL" sz="1400">
                           <a:effectLst/>
                         </a:rPr>
                         <a:t>0</a:t>
                       </a:r>
-                      <a:endParaRPr lang="pl-PL" sz="1100">
+                      <a:endParaRPr lang="pl-PL" sz="1400">
                         <a:solidFill>
                           <a:srgbClr val="000000"/>
                         </a:solidFill>
@@ -7254,12 +7333,12 @@
                         </a:spcAft>
                       </a:pPr>
                       <a:r>
-                        <a:rPr lang="pl-PL" sz="1100">
+                        <a:rPr lang="pl-PL" sz="1400">
                           <a:effectLst/>
                         </a:rPr>
                         <a:t>0</a:t>
                       </a:r>
-                      <a:endParaRPr lang="pl-PL" sz="1100">
+                      <a:endParaRPr lang="pl-PL" sz="1400">
                         <a:solidFill>
                           <a:srgbClr val="000000"/>
                         </a:solidFill>
@@ -7286,12 +7365,12 @@
                         </a:spcAft>
                       </a:pPr>
                       <a:r>
-                        <a:rPr lang="pl-PL" sz="1100" dirty="0">
+                        <a:rPr lang="pl-PL" sz="1400" dirty="0">
                           <a:effectLst/>
                         </a:rPr>
                         <a:t>0</a:t>
                       </a:r>
-                      <a:endParaRPr lang="pl-PL" sz="1100" dirty="0">
+                      <a:endParaRPr lang="pl-PL" sz="1400" dirty="0">
                         <a:solidFill>
                           <a:srgbClr val="000000"/>
                         </a:solidFill>
@@ -7318,12 +7397,12 @@
                         </a:spcAft>
                       </a:pPr>
                       <a:r>
-                        <a:rPr lang="pl-PL" sz="1100">
+                        <a:rPr lang="pl-PL" sz="1400">
                           <a:effectLst/>
                         </a:rPr>
                         <a:t>0</a:t>
                       </a:r>
-                      <a:endParaRPr lang="pl-PL" sz="1100">
+                      <a:endParaRPr lang="pl-PL" sz="1400">
                         <a:solidFill>
                           <a:srgbClr val="000000"/>
                         </a:solidFill>
@@ -7350,12 +7429,12 @@
                         </a:spcAft>
                       </a:pPr>
                       <a:r>
-                        <a:rPr lang="pl-PL" sz="1100">
+                        <a:rPr lang="pl-PL" sz="1400">
                           <a:effectLst/>
                         </a:rPr>
                         <a:t>0</a:t>
                       </a:r>
-                      <a:endParaRPr lang="pl-PL" sz="1100">
+                      <a:endParaRPr lang="pl-PL" sz="1400">
                         <a:solidFill>
                           <a:srgbClr val="000000"/>
                         </a:solidFill>
@@ -7382,12 +7461,12 @@
                         </a:spcAft>
                       </a:pPr>
                       <a:r>
-                        <a:rPr lang="pl-PL" sz="1100">
+                        <a:rPr lang="pl-PL" sz="1400" dirty="0">
                           <a:effectLst/>
                         </a:rPr>
                         <a:t>0</a:t>
                       </a:r>
-                      <a:endParaRPr lang="pl-PL" sz="1100">
+                      <a:endParaRPr lang="pl-PL" sz="1400" dirty="0">
                         <a:solidFill>
                           <a:srgbClr val="000000"/>
                         </a:solidFill>
@@ -7414,12 +7493,12 @@
                         </a:spcAft>
                       </a:pPr>
                       <a:r>
-                        <a:rPr lang="pl-PL" sz="1100">
+                        <a:rPr lang="pl-PL" sz="1400" dirty="0">
                           <a:effectLst/>
                         </a:rPr>
                         <a:t>0</a:t>
                       </a:r>
-                      <a:endParaRPr lang="pl-PL" sz="1100">
+                      <a:endParaRPr lang="pl-PL" sz="1400" dirty="0">
                         <a:solidFill>
                           <a:srgbClr val="000000"/>
                         </a:solidFill>
@@ -7448,12 +7527,12 @@
                         </a:spcAft>
                       </a:pPr>
                       <a:r>
-                        <a:rPr lang="pl-PL" sz="1100">
+                        <a:rPr lang="pl-PL" sz="1400">
                           <a:effectLst/>
                         </a:rPr>
                         <a:t>8</a:t>
                       </a:r>
-                      <a:endParaRPr lang="pl-PL" sz="1100">
+                      <a:endParaRPr lang="pl-PL" sz="1400">
                         <a:solidFill>
                           <a:srgbClr val="000000"/>
                         </a:solidFill>
@@ -7480,12 +7559,12 @@
                         </a:spcAft>
                       </a:pPr>
                       <a:r>
-                        <a:rPr lang="pl-PL" sz="1100">
+                        <a:rPr lang="pl-PL" sz="1400">
                           <a:effectLst/>
                         </a:rPr>
                         <a:t>16</a:t>
                       </a:r>
-                      <a:endParaRPr lang="pl-PL" sz="1100">
+                      <a:endParaRPr lang="pl-PL" sz="1400">
                         <a:solidFill>
                           <a:srgbClr val="000000"/>
                         </a:solidFill>
@@ -7512,12 +7591,12 @@
                         </a:spcAft>
                       </a:pPr>
                       <a:r>
-                        <a:rPr lang="pl-PL" sz="1100">
+                        <a:rPr lang="pl-PL" sz="1400">
                           <a:effectLst/>
                         </a:rPr>
                         <a:t>14</a:t>
                       </a:r>
-                      <a:endParaRPr lang="pl-PL" sz="1100">
+                      <a:endParaRPr lang="pl-PL" sz="1400">
                         <a:solidFill>
                           <a:srgbClr val="000000"/>
                         </a:solidFill>
@@ -7544,12 +7623,12 @@
                         </a:spcAft>
                       </a:pPr>
                       <a:r>
-                        <a:rPr lang="pl-PL" sz="1100">
+                        <a:rPr lang="pl-PL" sz="1400">
                           <a:effectLst/>
                         </a:rPr>
                         <a:t>13</a:t>
                       </a:r>
-                      <a:endParaRPr lang="pl-PL" sz="1100">
+                      <a:endParaRPr lang="pl-PL" sz="1400">
                         <a:solidFill>
                           <a:srgbClr val="000000"/>
                         </a:solidFill>
@@ -7576,12 +7655,12 @@
                         </a:spcAft>
                       </a:pPr>
                       <a:r>
-                        <a:rPr lang="pl-PL" sz="1100">
+                        <a:rPr lang="pl-PL" sz="1400" dirty="0">
                           <a:effectLst/>
                         </a:rPr>
                         <a:t>13</a:t>
                       </a:r>
-                      <a:endParaRPr lang="pl-PL" sz="1100">
+                      <a:endParaRPr lang="pl-PL" sz="1400" dirty="0">
                         <a:solidFill>
                           <a:srgbClr val="000000"/>
                         </a:solidFill>
@@ -7608,12 +7687,12 @@
                         </a:spcAft>
                       </a:pPr>
                       <a:r>
-                        <a:rPr lang="pl-PL" sz="1100" dirty="0">
+                        <a:rPr lang="pl-PL" sz="1400" dirty="0">
                           <a:effectLst/>
                         </a:rPr>
                         <a:t>10</a:t>
                       </a:r>
-                      <a:endParaRPr lang="pl-PL" sz="1100" dirty="0">
+                      <a:endParaRPr lang="pl-PL" sz="1400" dirty="0">
                         <a:solidFill>
                           <a:srgbClr val="000000"/>
                         </a:solidFill>
@@ -7640,12 +7719,12 @@
                         </a:spcAft>
                       </a:pPr>
                       <a:r>
-                        <a:rPr lang="pl-PL" sz="1100" dirty="0">
+                        <a:rPr lang="pl-PL" sz="1400" dirty="0">
                           <a:effectLst/>
                         </a:rPr>
                         <a:t>6</a:t>
                       </a:r>
-                      <a:endParaRPr lang="pl-PL" sz="1100" dirty="0">
+                      <a:endParaRPr lang="pl-PL" sz="1400" dirty="0">
                         <a:solidFill>
                           <a:srgbClr val="000000"/>
                         </a:solidFill>
@@ -7672,12 +7751,12 @@
                         </a:spcAft>
                       </a:pPr>
                       <a:r>
-                        <a:rPr lang="pl-PL" sz="1100">
+                        <a:rPr lang="pl-PL" sz="1400">
                           <a:effectLst/>
                         </a:rPr>
                         <a:t>13</a:t>
                       </a:r>
-                      <a:endParaRPr lang="pl-PL" sz="1100">
+                      <a:endParaRPr lang="pl-PL" sz="1400">
                         <a:solidFill>
                           <a:srgbClr val="000000"/>
                         </a:solidFill>
@@ -7704,12 +7783,12 @@
                         </a:spcAft>
                       </a:pPr>
                       <a:r>
-                        <a:rPr lang="pl-PL" sz="1100">
+                        <a:rPr lang="pl-PL" sz="1400" dirty="0">
                           <a:effectLst/>
                         </a:rPr>
                         <a:t>6</a:t>
                       </a:r>
-                      <a:endParaRPr lang="pl-PL" sz="1100">
+                      <a:endParaRPr lang="pl-PL" sz="1400" dirty="0">
                         <a:solidFill>
                           <a:srgbClr val="000000"/>
                         </a:solidFill>
@@ -7738,12 +7817,12 @@
                         </a:spcAft>
                       </a:pPr>
                       <a:r>
-                        <a:rPr lang="pl-PL" sz="1100">
+                        <a:rPr lang="pl-PL" sz="1400">
                           <a:effectLst/>
                         </a:rPr>
                         <a:t>9</a:t>
                       </a:r>
-                      <a:endParaRPr lang="pl-PL" sz="1100">
+                      <a:endParaRPr lang="pl-PL" sz="1400">
                         <a:solidFill>
                           <a:srgbClr val="000000"/>
                         </a:solidFill>
@@ -7770,12 +7849,12 @@
                         </a:spcAft>
                       </a:pPr>
                       <a:r>
-                        <a:rPr lang="pl-PL" sz="1100">
+                        <a:rPr lang="pl-PL" sz="1400">
                           <a:effectLst/>
                         </a:rPr>
                         <a:t>2</a:t>
                       </a:r>
-                      <a:endParaRPr lang="pl-PL" sz="1100">
+                      <a:endParaRPr lang="pl-PL" sz="1400">
                         <a:solidFill>
                           <a:srgbClr val="000000"/>
                         </a:solidFill>
@@ -7802,12 +7881,12 @@
                         </a:spcAft>
                       </a:pPr>
                       <a:r>
-                        <a:rPr lang="pl-PL" sz="1100">
+                        <a:rPr lang="pl-PL" sz="1400">
                           <a:effectLst/>
                         </a:rPr>
                         <a:t>2</a:t>
                       </a:r>
-                      <a:endParaRPr lang="pl-PL" sz="1100">
+                      <a:endParaRPr lang="pl-PL" sz="1400">
                         <a:solidFill>
                           <a:srgbClr val="000000"/>
                         </a:solidFill>
@@ -7834,12 +7913,12 @@
                         </a:spcAft>
                       </a:pPr>
                       <a:r>
-                        <a:rPr lang="pl-PL" sz="1100">
+                        <a:rPr lang="pl-PL" sz="1400">
                           <a:effectLst/>
                         </a:rPr>
                         <a:t>2</a:t>
                       </a:r>
-                      <a:endParaRPr lang="pl-PL" sz="1100">
+                      <a:endParaRPr lang="pl-PL" sz="1400">
                         <a:solidFill>
                           <a:srgbClr val="000000"/>
                         </a:solidFill>
@@ -7866,12 +7945,12 @@
                         </a:spcAft>
                       </a:pPr>
                       <a:r>
-                        <a:rPr lang="pl-PL" sz="1100">
+                        <a:rPr lang="pl-PL" sz="1400">
                           <a:effectLst/>
                         </a:rPr>
                         <a:t>2</a:t>
                       </a:r>
-                      <a:endParaRPr lang="pl-PL" sz="1100">
+                      <a:endParaRPr lang="pl-PL" sz="1400">
                         <a:solidFill>
                           <a:srgbClr val="000000"/>
                         </a:solidFill>
@@ -7898,12 +7977,12 @@
                         </a:spcAft>
                       </a:pPr>
                       <a:r>
-                        <a:rPr lang="pl-PL" sz="1100">
+                        <a:rPr lang="pl-PL" sz="1400">
                           <a:effectLst/>
                         </a:rPr>
                         <a:t>2</a:t>
                       </a:r>
-                      <a:endParaRPr lang="pl-PL" sz="1100">
+                      <a:endParaRPr lang="pl-PL" sz="1400">
                         <a:solidFill>
                           <a:srgbClr val="000000"/>
                         </a:solidFill>
@@ -7930,12 +8009,12 @@
                         </a:spcAft>
                       </a:pPr>
                       <a:r>
-                        <a:rPr lang="pl-PL" sz="1100" dirty="0">
+                        <a:rPr lang="pl-PL" sz="1400" dirty="0">
                           <a:effectLst/>
                         </a:rPr>
                         <a:t>2</a:t>
                       </a:r>
-                      <a:endParaRPr lang="pl-PL" sz="1100" dirty="0">
+                      <a:endParaRPr lang="pl-PL" sz="1400" dirty="0">
                         <a:solidFill>
                           <a:srgbClr val="000000"/>
                         </a:solidFill>
@@ -7962,12 +8041,12 @@
                         </a:spcAft>
                       </a:pPr>
                       <a:r>
-                        <a:rPr lang="pl-PL" sz="1100" dirty="0">
+                        <a:rPr lang="pl-PL" sz="1400" dirty="0">
                           <a:effectLst/>
                         </a:rPr>
                         <a:t>2</a:t>
                       </a:r>
-                      <a:endParaRPr lang="pl-PL" sz="1100" dirty="0">
+                      <a:endParaRPr lang="pl-PL" sz="1400" dirty="0">
                         <a:solidFill>
                           <a:srgbClr val="000000"/>
                         </a:solidFill>
@@ -7994,12 +8073,12 @@
                         </a:spcAft>
                       </a:pPr>
                       <a:r>
-                        <a:rPr lang="pl-PL" sz="1100">
+                        <a:rPr lang="pl-PL" sz="1400" dirty="0">
                           <a:effectLst/>
                         </a:rPr>
                         <a:t>2</a:t>
                       </a:r>
-                      <a:endParaRPr lang="pl-PL" sz="1100">
+                      <a:endParaRPr lang="pl-PL" sz="1400" dirty="0">
                         <a:solidFill>
                           <a:srgbClr val="000000"/>
                         </a:solidFill>
@@ -8028,12 +8107,12 @@
                         </a:spcAft>
                       </a:pPr>
                       <a:r>
-                        <a:rPr lang="pl-PL" sz="1100">
+                        <a:rPr lang="pl-PL" sz="1400">
                           <a:effectLst/>
                         </a:rPr>
                         <a:t>10</a:t>
                       </a:r>
-                      <a:endParaRPr lang="pl-PL" sz="1100">
+                      <a:endParaRPr lang="pl-PL" sz="1400">
                         <a:solidFill>
                           <a:srgbClr val="000000"/>
                         </a:solidFill>
@@ -8060,12 +8139,12 @@
                         </a:spcAft>
                       </a:pPr>
                       <a:r>
-                        <a:rPr lang="pl-PL" sz="1100">
+                        <a:rPr lang="pl-PL" sz="1400">
                           <a:effectLst/>
                         </a:rPr>
                         <a:t>12</a:t>
                       </a:r>
-                      <a:endParaRPr lang="pl-PL" sz="1100">
+                      <a:endParaRPr lang="pl-PL" sz="1400">
                         <a:solidFill>
                           <a:srgbClr val="000000"/>
                         </a:solidFill>
@@ -8092,12 +8171,12 @@
                         </a:spcAft>
                       </a:pPr>
                       <a:r>
-                        <a:rPr lang="pl-PL" sz="1100">
+                        <a:rPr lang="pl-PL" sz="1400">
                           <a:effectLst/>
                         </a:rPr>
                         <a:t>2</a:t>
                       </a:r>
-                      <a:endParaRPr lang="pl-PL" sz="1100">
+                      <a:endParaRPr lang="pl-PL" sz="1400">
                         <a:solidFill>
                           <a:srgbClr val="000000"/>
                         </a:solidFill>
@@ -8124,12 +8203,12 @@
                         </a:spcAft>
                       </a:pPr>
                       <a:r>
-                        <a:rPr lang="pl-PL" sz="1100">
+                        <a:rPr lang="pl-PL" sz="1400">
                           <a:effectLst/>
                         </a:rPr>
                         <a:t>6</a:t>
                       </a:r>
-                      <a:endParaRPr lang="pl-PL" sz="1100">
+                      <a:endParaRPr lang="pl-PL" sz="1400">
                         <a:solidFill>
                           <a:srgbClr val="000000"/>
                         </a:solidFill>
@@ -8156,12 +8235,12 @@
                         </a:spcAft>
                       </a:pPr>
                       <a:r>
-                        <a:rPr lang="pl-PL" sz="1100">
+                        <a:rPr lang="pl-PL" sz="1400">
                           <a:effectLst/>
                         </a:rPr>
                         <a:t>6</a:t>
                       </a:r>
-                      <a:endParaRPr lang="pl-PL" sz="1100">
+                      <a:endParaRPr lang="pl-PL" sz="1400">
                         <a:solidFill>
                           <a:srgbClr val="000000"/>
                         </a:solidFill>
@@ -8188,12 +8267,12 @@
                         </a:spcAft>
                       </a:pPr>
                       <a:r>
-                        <a:rPr lang="pl-PL" sz="1100">
+                        <a:rPr lang="pl-PL" sz="1400">
                           <a:effectLst/>
                         </a:rPr>
                         <a:t>9</a:t>
                       </a:r>
-                      <a:endParaRPr lang="pl-PL" sz="1100">
+                      <a:endParaRPr lang="pl-PL" sz="1400">
                         <a:solidFill>
                           <a:srgbClr val="000000"/>
                         </a:solidFill>
@@ -8220,12 +8299,12 @@
                         </a:spcAft>
                       </a:pPr>
                       <a:r>
-                        <a:rPr lang="pl-PL" sz="1100">
+                        <a:rPr lang="pl-PL" sz="1400">
                           <a:effectLst/>
                         </a:rPr>
                         <a:t>3</a:t>
                       </a:r>
-                      <a:endParaRPr lang="pl-PL" sz="1100">
+                      <a:endParaRPr lang="pl-PL" sz="1400">
                         <a:solidFill>
                           <a:srgbClr val="000000"/>
                         </a:solidFill>
@@ -8252,12 +8331,12 @@
                         </a:spcAft>
                       </a:pPr>
                       <a:r>
-                        <a:rPr lang="pl-PL" sz="1100" dirty="0">
+                        <a:rPr lang="pl-PL" sz="1400" dirty="0">
                           <a:effectLst/>
                         </a:rPr>
                         <a:t>6</a:t>
                       </a:r>
-                      <a:endParaRPr lang="pl-PL" sz="1100" dirty="0">
+                      <a:endParaRPr lang="pl-PL" sz="1400" dirty="0">
                         <a:solidFill>
                           <a:srgbClr val="000000"/>
                         </a:solidFill>
@@ -8284,12 +8363,12 @@
                         </a:spcAft>
                       </a:pPr>
                       <a:r>
-                        <a:rPr lang="pl-PL" sz="1100" dirty="0">
+                        <a:rPr lang="pl-PL" sz="1400" dirty="0">
                           <a:effectLst/>
                         </a:rPr>
                         <a:t>7</a:t>
                       </a:r>
-                      <a:endParaRPr lang="pl-PL" sz="1100" dirty="0">
+                      <a:endParaRPr lang="pl-PL" sz="1400" dirty="0">
                         <a:solidFill>
                           <a:srgbClr val="000000"/>
                         </a:solidFill>
@@ -8839,7 +8918,7 @@
           <p:nvPr>
             <p:extLst>
               <p:ext uri="{D42A27DB-BD31-4B8C-83A1-F6EECF244321}">
-                <p14:modId xmlns:p14="http://schemas.microsoft.com/office/powerpoint/2010/main" val="249254810"/>
+                <p14:modId xmlns:p14="http://schemas.microsoft.com/office/powerpoint/2010/main" val="3682967971"/>
               </p:ext>
             </p:extLst>
           </p:nvPr>
@@ -8876,23 +8955,23 @@
                         </a:spcAft>
                       </a:pPr>
                       <a:r>
-                        <a:rPr lang="pl-PL" sz="1200" dirty="0">
+                        <a:rPr lang="pl-PL" sz="1600" dirty="0">
                           <a:effectLst/>
                         </a:rPr>
                         <a:t>Ruch przeciwnika / </a:t>
                       </a:r>
                       <a:br>
-                        <a:rPr lang="pl-PL" sz="1200" dirty="0">
+                        <a:rPr lang="pl-PL" sz="1600" dirty="0">
                           <a:effectLst/>
                         </a:rPr>
                       </a:br>
                       <a:r>
-                        <a:rPr lang="pl-PL" sz="1200" dirty="0">
+                        <a:rPr lang="pl-PL" sz="1600" dirty="0">
                           <a:effectLst/>
                         </a:rPr>
                         <a:t>Liczba oczek</a:t>
                       </a:r>
-                      <a:endParaRPr lang="pl-PL" sz="1100" dirty="0">
+                      <a:endParaRPr lang="pl-PL" sz="1400" dirty="0">
                         <a:solidFill>
                           <a:srgbClr val="365F91"/>
                         </a:solidFill>
@@ -8919,12 +8998,12 @@
                         </a:spcAft>
                       </a:pPr>
                       <a:r>
-                        <a:rPr lang="pl-PL" sz="1200">
+                        <a:rPr lang="pl-PL" sz="1600">
                           <a:effectLst/>
                         </a:rPr>
                         <a:t>X = 1</a:t>
                       </a:r>
-                      <a:endParaRPr lang="pl-PL" sz="1100">
+                      <a:endParaRPr lang="pl-PL" sz="1400">
                         <a:solidFill>
                           <a:srgbClr val="365F91"/>
                         </a:solidFill>
@@ -8951,12 +9030,12 @@
                         </a:spcAft>
                       </a:pPr>
                       <a:r>
-                        <a:rPr lang="pl-PL" sz="1200">
+                        <a:rPr lang="pl-PL" sz="1600">
                           <a:effectLst/>
                         </a:rPr>
                         <a:t>X = 2</a:t>
                       </a:r>
-                      <a:endParaRPr lang="pl-PL" sz="1100">
+                      <a:endParaRPr lang="pl-PL" sz="1400">
                         <a:solidFill>
                           <a:srgbClr val="365F91"/>
                         </a:solidFill>
@@ -8983,12 +9062,12 @@
                         </a:spcAft>
                       </a:pPr>
                       <a:r>
-                        <a:rPr lang="pl-PL" sz="1200">
+                        <a:rPr lang="pl-PL" sz="1600">
                           <a:effectLst/>
                         </a:rPr>
                         <a:t>X = 3</a:t>
                       </a:r>
-                      <a:endParaRPr lang="pl-PL" sz="1100">
+                      <a:endParaRPr lang="pl-PL" sz="1400">
                         <a:solidFill>
                           <a:srgbClr val="365F91"/>
                         </a:solidFill>
@@ -9015,12 +9094,12 @@
                         </a:spcAft>
                       </a:pPr>
                       <a:r>
-                        <a:rPr lang="pl-PL" sz="1200" dirty="0">
+                        <a:rPr lang="pl-PL" sz="1600" dirty="0">
                           <a:effectLst/>
                         </a:rPr>
                         <a:t>X= 4</a:t>
                       </a:r>
-                      <a:endParaRPr lang="pl-PL" sz="1100" dirty="0">
+                      <a:endParaRPr lang="pl-PL" sz="1400" dirty="0">
                         <a:solidFill>
                           <a:srgbClr val="365F91"/>
                         </a:solidFill>
@@ -9049,12 +9128,12 @@
                         </a:spcAft>
                       </a:pPr>
                       <a:r>
-                        <a:rPr lang="pl-PL" sz="1200">
+                        <a:rPr lang="pl-PL" sz="1600" dirty="0">
                           <a:effectLst/>
                         </a:rPr>
                         <a:t>BRAK</a:t>
                       </a:r>
-                      <a:endParaRPr lang="pl-PL" sz="1100">
+                      <a:endParaRPr lang="pl-PL" sz="1400" dirty="0">
                         <a:solidFill>
                           <a:srgbClr val="365F91"/>
                         </a:solidFill>
@@ -9081,12 +9160,12 @@
                         </a:spcAft>
                       </a:pPr>
                       <a:r>
-                        <a:rPr lang="pl-PL" sz="1200">
+                        <a:rPr lang="pl-PL" sz="1600">
                           <a:effectLst/>
                         </a:rPr>
                         <a:t>(1,1)</a:t>
                       </a:r>
-                      <a:endParaRPr lang="pl-PL" sz="1100">
+                      <a:endParaRPr lang="pl-PL" sz="1400">
                         <a:solidFill>
                           <a:srgbClr val="365F91"/>
                         </a:solidFill>
@@ -9113,12 +9192,12 @@
                         </a:spcAft>
                       </a:pPr>
                       <a:r>
-                        <a:rPr lang="pl-PL" sz="1200">
+                        <a:rPr lang="pl-PL" sz="1600">
                           <a:effectLst/>
                         </a:rPr>
                         <a:t>(1,2)</a:t>
                       </a:r>
-                      <a:endParaRPr lang="pl-PL" sz="1100">
+                      <a:endParaRPr lang="pl-PL" sz="1400">
                         <a:solidFill>
                           <a:srgbClr val="365F91"/>
                         </a:solidFill>
@@ -9145,12 +9224,12 @@
                         </a:spcAft>
                       </a:pPr>
                       <a:r>
-                        <a:rPr lang="pl-PL" sz="1200">
+                        <a:rPr lang="pl-PL" sz="1600">
                           <a:effectLst/>
                         </a:rPr>
                         <a:t>(1,3)</a:t>
                       </a:r>
-                      <a:endParaRPr lang="pl-PL" sz="1100">
+                      <a:endParaRPr lang="pl-PL" sz="1400">
                         <a:solidFill>
                           <a:srgbClr val="365F91"/>
                         </a:solidFill>
@@ -9177,12 +9256,12 @@
                         </a:spcAft>
                       </a:pPr>
                       <a:r>
-                        <a:rPr lang="pl-PL" sz="1200">
+                        <a:rPr lang="pl-PL" sz="1600">
                           <a:effectLst/>
                         </a:rPr>
                         <a:t>(1,4)</a:t>
                       </a:r>
-                      <a:endParaRPr lang="pl-PL" sz="1100">
+                      <a:endParaRPr lang="pl-PL" sz="1400">
                         <a:solidFill>
                           <a:srgbClr val="365F91"/>
                         </a:solidFill>
@@ -9211,12 +9290,12 @@
                         </a:spcAft>
                       </a:pPr>
                       <a:r>
-                        <a:rPr lang="pl-PL" sz="1200">
+                        <a:rPr lang="pl-PL" sz="1600" dirty="0">
                           <a:effectLst/>
                         </a:rPr>
                         <a:t>(1,1)</a:t>
                       </a:r>
-                      <a:endParaRPr lang="pl-PL" sz="1100">
+                      <a:endParaRPr lang="pl-PL" sz="1400" dirty="0">
                         <a:solidFill>
                           <a:srgbClr val="365F91"/>
                         </a:solidFill>
@@ -9243,12 +9322,12 @@
                         </a:spcAft>
                       </a:pPr>
                       <a:r>
-                        <a:rPr lang="pl-PL" sz="1200">
+                        <a:rPr lang="pl-PL" sz="1600">
                           <a:effectLst/>
                         </a:rPr>
                         <a:t>(1,2)</a:t>
                       </a:r>
-                      <a:endParaRPr lang="pl-PL" sz="1100">
+                      <a:endParaRPr lang="pl-PL" sz="1400">
                         <a:solidFill>
                           <a:srgbClr val="365F91"/>
                         </a:solidFill>
@@ -9275,12 +9354,12 @@
                         </a:spcAft>
                       </a:pPr>
                       <a:r>
-                        <a:rPr lang="pl-PL" sz="1200">
+                        <a:rPr lang="pl-PL" sz="1600">
                           <a:effectLst/>
                         </a:rPr>
                         <a:t>(1,2)</a:t>
                       </a:r>
-                      <a:endParaRPr lang="pl-PL" sz="1100">
+                      <a:endParaRPr lang="pl-PL" sz="1400">
                         <a:solidFill>
                           <a:srgbClr val="365F91"/>
                         </a:solidFill>
@@ -9307,12 +9386,12 @@
                         </a:spcAft>
                       </a:pPr>
                       <a:r>
-                        <a:rPr lang="pl-PL" sz="1200">
+                        <a:rPr lang="pl-PL" sz="1600">
                           <a:effectLst/>
                         </a:rPr>
                         <a:t>(1,3)</a:t>
                       </a:r>
-                      <a:endParaRPr lang="pl-PL" sz="1100">
+                      <a:endParaRPr lang="pl-PL" sz="1400">
                         <a:solidFill>
                           <a:srgbClr val="365F91"/>
                         </a:solidFill>
@@ -9339,12 +9418,12 @@
                         </a:spcAft>
                       </a:pPr>
                       <a:r>
-                        <a:rPr lang="pl-PL" sz="1200">
+                        <a:rPr lang="pl-PL" sz="1600">
                           <a:effectLst/>
                         </a:rPr>
                         <a:t>(1,4)</a:t>
                       </a:r>
-                      <a:endParaRPr lang="pl-PL" sz="1100">
+                      <a:endParaRPr lang="pl-PL" sz="1400">
                         <a:solidFill>
                           <a:srgbClr val="365F91"/>
                         </a:solidFill>
@@ -9373,12 +9452,12 @@
                         </a:spcAft>
                       </a:pPr>
                       <a:r>
-                        <a:rPr lang="pl-PL" sz="1200">
+                        <a:rPr lang="pl-PL" sz="1600" dirty="0">
                           <a:effectLst/>
                         </a:rPr>
                         <a:t>(1,2)</a:t>
                       </a:r>
-                      <a:endParaRPr lang="pl-PL" sz="1100">
+                      <a:endParaRPr lang="pl-PL" sz="1400" dirty="0">
                         <a:solidFill>
                           <a:srgbClr val="365F91"/>
                         </a:solidFill>
@@ -9405,12 +9484,12 @@
                         </a:spcAft>
                       </a:pPr>
                       <a:r>
-                        <a:rPr lang="pl-PL" sz="1200">
+                        <a:rPr lang="pl-PL" sz="1600">
                           <a:effectLst/>
                         </a:rPr>
                         <a:t>(1,3)</a:t>
                       </a:r>
-                      <a:endParaRPr lang="pl-PL" sz="1100">
+                      <a:endParaRPr lang="pl-PL" sz="1400">
                         <a:solidFill>
                           <a:srgbClr val="365F91"/>
                         </a:solidFill>
@@ -9437,12 +9516,12 @@
                         </a:spcAft>
                       </a:pPr>
                       <a:r>
-                        <a:rPr lang="pl-PL" sz="1200">
+                        <a:rPr lang="pl-PL" sz="1600">
                           <a:effectLst/>
                         </a:rPr>
                         <a:t>(1,3)</a:t>
                       </a:r>
-                      <a:endParaRPr lang="pl-PL" sz="1100">
+                      <a:endParaRPr lang="pl-PL" sz="1400">
                         <a:solidFill>
                           <a:srgbClr val="365F91"/>
                         </a:solidFill>
@@ -9469,12 +9548,12 @@
                         </a:spcAft>
                       </a:pPr>
                       <a:r>
-                        <a:rPr lang="pl-PL" sz="1200">
+                        <a:rPr lang="pl-PL" sz="1600">
                           <a:effectLst/>
                         </a:rPr>
                         <a:t>(1,3)</a:t>
                       </a:r>
-                      <a:endParaRPr lang="pl-PL" sz="1100">
+                      <a:endParaRPr lang="pl-PL" sz="1400">
                         <a:solidFill>
                           <a:srgbClr val="365F91"/>
                         </a:solidFill>
@@ -9501,12 +9580,12 @@
                         </a:spcAft>
                       </a:pPr>
                       <a:r>
-                        <a:rPr lang="pl-PL" sz="1200">
+                        <a:rPr lang="pl-PL" sz="1600">
                           <a:effectLst/>
                         </a:rPr>
                         <a:t>(1,4)</a:t>
                       </a:r>
-                      <a:endParaRPr lang="pl-PL" sz="1100">
+                      <a:endParaRPr lang="pl-PL" sz="1400">
                         <a:solidFill>
                           <a:srgbClr val="365F91"/>
                         </a:solidFill>
@@ -9535,12 +9614,12 @@
                         </a:spcAft>
                       </a:pPr>
                       <a:r>
-                        <a:rPr lang="pl-PL" sz="1200">
+                        <a:rPr lang="pl-PL" sz="1600" dirty="0">
                           <a:effectLst/>
                         </a:rPr>
                         <a:t>(1,3)</a:t>
                       </a:r>
-                      <a:endParaRPr lang="pl-PL" sz="1100">
+                      <a:endParaRPr lang="pl-PL" sz="1400" dirty="0">
                         <a:solidFill>
                           <a:srgbClr val="365F91"/>
                         </a:solidFill>
@@ -9567,12 +9646,12 @@
                         </a:spcAft>
                       </a:pPr>
                       <a:r>
-                        <a:rPr lang="pl-PL" sz="1200">
+                        <a:rPr lang="pl-PL" sz="1600" dirty="0">
                           <a:effectLst/>
                         </a:rPr>
                         <a:t>(1,4)</a:t>
                       </a:r>
-                      <a:endParaRPr lang="pl-PL" sz="1100">
+                      <a:endParaRPr lang="pl-PL" sz="1400" dirty="0">
                         <a:solidFill>
                           <a:srgbClr val="365F91"/>
                         </a:solidFill>
@@ -9599,12 +9678,12 @@
                         </a:spcAft>
                       </a:pPr>
                       <a:r>
-                        <a:rPr lang="pl-PL" sz="1200">
+                        <a:rPr lang="pl-PL" sz="1600">
                           <a:effectLst/>
                         </a:rPr>
                         <a:t>(1,4)</a:t>
                       </a:r>
-                      <a:endParaRPr lang="pl-PL" sz="1100">
+                      <a:endParaRPr lang="pl-PL" sz="1400">
                         <a:solidFill>
                           <a:srgbClr val="365F91"/>
                         </a:solidFill>
@@ -9631,12 +9710,12 @@
                         </a:spcAft>
                       </a:pPr>
                       <a:r>
-                        <a:rPr lang="pl-PL" sz="1200">
+                        <a:rPr lang="pl-PL" sz="1600">
                           <a:effectLst/>
                         </a:rPr>
                         <a:t>(1,4)</a:t>
                       </a:r>
-                      <a:endParaRPr lang="pl-PL" sz="1100">
+                      <a:endParaRPr lang="pl-PL" sz="1400">
                         <a:solidFill>
                           <a:srgbClr val="365F91"/>
                         </a:solidFill>
@@ -9663,12 +9742,12 @@
                         </a:spcAft>
                       </a:pPr>
                       <a:r>
-                        <a:rPr lang="pl-PL" sz="1200">
+                        <a:rPr lang="pl-PL" sz="1600">
                           <a:effectLst/>
                         </a:rPr>
                         <a:t>(1,4)</a:t>
                       </a:r>
-                      <a:endParaRPr lang="pl-PL" sz="1100">
+                      <a:endParaRPr lang="pl-PL" sz="1400">
                         <a:solidFill>
                           <a:srgbClr val="365F91"/>
                         </a:solidFill>
@@ -9697,12 +9776,12 @@
                         </a:spcAft>
                       </a:pPr>
                       <a:r>
-                        <a:rPr lang="pl-PL" sz="1200">
+                        <a:rPr lang="pl-PL" sz="1600">
                           <a:effectLst/>
                         </a:rPr>
                         <a:t>(1,4)</a:t>
                       </a:r>
-                      <a:endParaRPr lang="pl-PL" sz="1100">
+                      <a:endParaRPr lang="pl-PL" sz="1400">
                         <a:solidFill>
                           <a:srgbClr val="365F91"/>
                         </a:solidFill>
@@ -9729,12 +9808,12 @@
                         </a:spcAft>
                       </a:pPr>
                       <a:r>
-                        <a:rPr lang="pl-PL" sz="1200">
+                        <a:rPr lang="pl-PL" sz="1600" dirty="0">
                           <a:effectLst/>
                         </a:rPr>
                         <a:t>(2,2)</a:t>
                       </a:r>
-                      <a:endParaRPr lang="pl-PL" sz="1100">
+                      <a:endParaRPr lang="pl-PL" sz="1400" dirty="0">
                         <a:solidFill>
                           <a:srgbClr val="365F91"/>
                         </a:solidFill>
@@ -9761,12 +9840,12 @@
                         </a:spcAft>
                       </a:pPr>
                       <a:r>
-                        <a:rPr lang="pl-PL" sz="1200">
+                        <a:rPr lang="pl-PL" sz="1600" dirty="0">
                           <a:effectLst/>
                         </a:rPr>
                         <a:t>(2,2)</a:t>
                       </a:r>
-                      <a:endParaRPr lang="pl-PL" sz="1100">
+                      <a:endParaRPr lang="pl-PL" sz="1400" dirty="0">
                         <a:solidFill>
                           <a:srgbClr val="365F91"/>
                         </a:solidFill>
@@ -9793,12 +9872,12 @@
                         </a:spcAft>
                       </a:pPr>
                       <a:r>
-                        <a:rPr lang="pl-PL" sz="1200">
+                        <a:rPr lang="pl-PL" sz="1600">
                           <a:effectLst/>
                         </a:rPr>
                         <a:t>(2,3)</a:t>
                       </a:r>
-                      <a:endParaRPr lang="pl-PL" sz="1100">
+                      <a:endParaRPr lang="pl-PL" sz="1400">
                         <a:solidFill>
                           <a:srgbClr val="365F91"/>
                         </a:solidFill>
@@ -9825,12 +9904,12 @@
                         </a:spcAft>
                       </a:pPr>
                       <a:r>
-                        <a:rPr lang="pl-PL" sz="1200">
+                        <a:rPr lang="pl-PL" sz="1600">
                           <a:effectLst/>
                         </a:rPr>
                         <a:t>(2,4)</a:t>
                       </a:r>
-                      <a:endParaRPr lang="pl-PL" sz="1100">
+                      <a:endParaRPr lang="pl-PL" sz="1400">
                         <a:solidFill>
                           <a:srgbClr val="365F91"/>
                         </a:solidFill>
@@ -9859,12 +9938,12 @@
                         </a:spcAft>
                       </a:pPr>
                       <a:r>
-                        <a:rPr lang="pl-PL" sz="1200">
+                        <a:rPr lang="pl-PL" sz="1600">
                           <a:effectLst/>
                         </a:rPr>
                         <a:t>(2,1)</a:t>
                       </a:r>
-                      <a:endParaRPr lang="pl-PL" sz="1100">
+                      <a:endParaRPr lang="pl-PL" sz="1400">
                         <a:solidFill>
                           <a:srgbClr val="365F91"/>
                         </a:solidFill>
@@ -9891,12 +9970,12 @@
                         </a:spcAft>
                       </a:pPr>
                       <a:r>
-                        <a:rPr lang="pl-PL" sz="1200">
+                        <a:rPr lang="pl-PL" sz="1600">
                           <a:effectLst/>
                         </a:rPr>
                         <a:t>(2,2)</a:t>
                       </a:r>
-                      <a:endParaRPr lang="pl-PL" sz="1100">
+                      <a:endParaRPr lang="pl-PL" sz="1400">
                         <a:solidFill>
                           <a:srgbClr val="365F91"/>
                         </a:solidFill>
@@ -9923,12 +10002,12 @@
                         </a:spcAft>
                       </a:pPr>
                       <a:r>
-                        <a:rPr lang="pl-PL" sz="1200">
+                        <a:rPr lang="pl-PL" sz="1600" dirty="0">
                           <a:effectLst/>
                         </a:rPr>
                         <a:t>(2,2)</a:t>
                       </a:r>
-                      <a:endParaRPr lang="pl-PL" sz="1100">
+                      <a:endParaRPr lang="pl-PL" sz="1400" dirty="0">
                         <a:solidFill>
                           <a:srgbClr val="365F91"/>
                         </a:solidFill>
@@ -9955,12 +10034,12 @@
                         </a:spcAft>
                       </a:pPr>
                       <a:r>
-                        <a:rPr lang="pl-PL" sz="1200">
+                        <a:rPr lang="pl-PL" sz="1600">
                           <a:effectLst/>
                         </a:rPr>
                         <a:t>(2,3)</a:t>
                       </a:r>
-                      <a:endParaRPr lang="pl-PL" sz="1100">
+                      <a:endParaRPr lang="pl-PL" sz="1400">
                         <a:solidFill>
                           <a:srgbClr val="365F91"/>
                         </a:solidFill>
@@ -9987,12 +10066,12 @@
                         </a:spcAft>
                       </a:pPr>
                       <a:r>
-                        <a:rPr lang="pl-PL" sz="1200">
+                        <a:rPr lang="pl-PL" sz="1600">
                           <a:effectLst/>
                         </a:rPr>
                         <a:t>(2,4)</a:t>
                       </a:r>
-                      <a:endParaRPr lang="pl-PL" sz="1100">
+                      <a:endParaRPr lang="pl-PL" sz="1400">
                         <a:solidFill>
                           <a:srgbClr val="365F91"/>
                         </a:solidFill>
@@ -10021,12 +10100,12 @@
                         </a:spcAft>
                       </a:pPr>
                       <a:r>
-                        <a:rPr lang="pl-PL" sz="1200">
+                        <a:rPr lang="pl-PL" sz="1600">
                           <a:effectLst/>
                         </a:rPr>
                         <a:t>(2,2)</a:t>
                       </a:r>
-                      <a:endParaRPr lang="pl-PL" sz="1100">
+                      <a:endParaRPr lang="pl-PL" sz="1400">
                         <a:solidFill>
                           <a:srgbClr val="365F91"/>
                         </a:solidFill>
@@ -10053,12 +10132,12 @@
                         </a:spcAft>
                       </a:pPr>
                       <a:r>
-                        <a:rPr lang="pl-PL" sz="1200">
+                        <a:rPr lang="pl-PL" sz="1600">
                           <a:effectLst/>
                         </a:rPr>
                         <a:t>(2,3)</a:t>
                       </a:r>
-                      <a:endParaRPr lang="pl-PL" sz="1100">
+                      <a:endParaRPr lang="pl-PL" sz="1400">
                         <a:solidFill>
                           <a:srgbClr val="365F91"/>
                         </a:solidFill>
@@ -10085,12 +10164,12 @@
                         </a:spcAft>
                       </a:pPr>
                       <a:r>
-                        <a:rPr lang="pl-PL" sz="1200">
+                        <a:rPr lang="pl-PL" sz="1600">
                           <a:effectLst/>
                         </a:rPr>
                         <a:t>Bluff</a:t>
                       </a:r>
-                      <a:endParaRPr lang="pl-PL" sz="1100">
+                      <a:endParaRPr lang="pl-PL" sz="1400">
                         <a:solidFill>
                           <a:srgbClr val="365F91"/>
                         </a:solidFill>
@@ -10117,12 +10196,12 @@
                         </a:spcAft>
                       </a:pPr>
                       <a:r>
-                        <a:rPr lang="pl-PL" sz="1200">
+                        <a:rPr lang="pl-PL" sz="1600">
                           <a:effectLst/>
                         </a:rPr>
                         <a:t>(2,3)</a:t>
                       </a:r>
-                      <a:endParaRPr lang="pl-PL" sz="1100">
+                      <a:endParaRPr lang="pl-PL" sz="1400">
                         <a:solidFill>
                           <a:srgbClr val="365F91"/>
                         </a:solidFill>
@@ -10149,12 +10228,12 @@
                         </a:spcAft>
                       </a:pPr>
                       <a:r>
-                        <a:rPr lang="pl-PL" sz="1200">
+                        <a:rPr lang="pl-PL" sz="1600">
                           <a:effectLst/>
                         </a:rPr>
                         <a:t>(2,4)</a:t>
                       </a:r>
-                      <a:endParaRPr lang="pl-PL" sz="1100">
+                      <a:endParaRPr lang="pl-PL" sz="1400">
                         <a:solidFill>
                           <a:srgbClr val="365F91"/>
                         </a:solidFill>
@@ -10183,12 +10262,12 @@
                         </a:spcAft>
                       </a:pPr>
                       <a:r>
-                        <a:rPr lang="pl-PL" sz="1200">
+                        <a:rPr lang="pl-PL" sz="1600">
                           <a:effectLst/>
                         </a:rPr>
                         <a:t>(2,3)</a:t>
                       </a:r>
-                      <a:endParaRPr lang="pl-PL" sz="1100">
+                      <a:endParaRPr lang="pl-PL" sz="1400">
                         <a:solidFill>
                           <a:srgbClr val="365F91"/>
                         </a:solidFill>
@@ -10215,12 +10294,12 @@
                         </a:spcAft>
                       </a:pPr>
                       <a:r>
-                        <a:rPr lang="pl-PL" sz="1200">
+                        <a:rPr lang="pl-PL" sz="1600">
                           <a:effectLst/>
                         </a:rPr>
                         <a:t>(2,4)</a:t>
                       </a:r>
-                      <a:endParaRPr lang="pl-PL" sz="1100">
+                      <a:endParaRPr lang="pl-PL" sz="1400">
                         <a:solidFill>
                           <a:srgbClr val="365F91"/>
                         </a:solidFill>
@@ -10247,12 +10326,12 @@
                         </a:spcAft>
                       </a:pPr>
                       <a:r>
-                        <a:rPr lang="pl-PL" sz="1200">
+                        <a:rPr lang="pl-PL" sz="1600">
                           <a:effectLst/>
                         </a:rPr>
                         <a:t>Bluff</a:t>
                       </a:r>
-                      <a:endParaRPr lang="pl-PL" sz="1100">
+                      <a:endParaRPr lang="pl-PL" sz="1400">
                         <a:solidFill>
                           <a:srgbClr val="365F91"/>
                         </a:solidFill>
@@ -10279,12 +10358,12 @@
                         </a:spcAft>
                       </a:pPr>
                       <a:r>
-                        <a:rPr lang="pl-PL" sz="1200">
+                        <a:rPr lang="pl-PL" sz="1600">
                           <a:effectLst/>
                         </a:rPr>
                         <a:t>Bluff</a:t>
                       </a:r>
-                      <a:endParaRPr lang="pl-PL" sz="1100">
+                      <a:endParaRPr lang="pl-PL" sz="1400">
                         <a:solidFill>
                           <a:srgbClr val="365F91"/>
                         </a:solidFill>
@@ -10311,12 +10390,12 @@
                         </a:spcAft>
                       </a:pPr>
                       <a:r>
-                        <a:rPr lang="pl-PL" sz="1200">
+                        <a:rPr lang="pl-PL" sz="1600" dirty="0">
                           <a:effectLst/>
                         </a:rPr>
                         <a:t>(2,4)</a:t>
                       </a:r>
-                      <a:endParaRPr lang="pl-PL" sz="1100">
+                      <a:endParaRPr lang="pl-PL" sz="1400" dirty="0">
                         <a:solidFill>
                           <a:srgbClr val="365F91"/>
                         </a:solidFill>
@@ -10345,12 +10424,12 @@
                         </a:spcAft>
                       </a:pPr>
                       <a:r>
-                        <a:rPr lang="pl-PL" sz="1200" dirty="0">
+                        <a:rPr lang="pl-PL" sz="1600" dirty="0">
                           <a:effectLst/>
                         </a:rPr>
                         <a:t>(2,4)</a:t>
                       </a:r>
-                      <a:endParaRPr lang="pl-PL" sz="1100" dirty="0">
+                      <a:endParaRPr lang="pl-PL" sz="1400" dirty="0">
                         <a:solidFill>
                           <a:srgbClr val="365F91"/>
                         </a:solidFill>
@@ -10377,12 +10456,12 @@
                         </a:spcAft>
                       </a:pPr>
                       <a:r>
-                        <a:rPr lang="pl-PL" sz="1200">
+                        <a:rPr lang="pl-PL" sz="1600">
                           <a:effectLst/>
                         </a:rPr>
                         <a:t>Bluff</a:t>
                       </a:r>
-                      <a:endParaRPr lang="pl-PL" sz="1100">
+                      <a:endParaRPr lang="pl-PL" sz="1400">
                         <a:solidFill>
                           <a:srgbClr val="365F91"/>
                         </a:solidFill>
@@ -10409,12 +10488,12 @@
                         </a:spcAft>
                       </a:pPr>
                       <a:r>
-                        <a:rPr lang="pl-PL" sz="1200">
+                        <a:rPr lang="pl-PL" sz="1600">
                           <a:effectLst/>
                         </a:rPr>
                         <a:t>Bluff</a:t>
                       </a:r>
-                      <a:endParaRPr lang="pl-PL" sz="1100">
+                      <a:endParaRPr lang="pl-PL" sz="1400">
                         <a:solidFill>
                           <a:srgbClr val="365F91"/>
                         </a:solidFill>
@@ -10441,12 +10520,12 @@
                         </a:spcAft>
                       </a:pPr>
                       <a:r>
-                        <a:rPr lang="pl-PL" sz="1200">
+                        <a:rPr lang="pl-PL" sz="1600">
                           <a:effectLst/>
                         </a:rPr>
                         <a:t>Bluff</a:t>
                       </a:r>
-                      <a:endParaRPr lang="pl-PL" sz="1100">
+                      <a:endParaRPr lang="pl-PL" sz="1400">
                         <a:solidFill>
                           <a:srgbClr val="365F91"/>
                         </a:solidFill>
@@ -10473,12 +10552,12 @@
                         </a:spcAft>
                       </a:pPr>
                       <a:r>
-                        <a:rPr lang="pl-PL" sz="1200" dirty="0">
+                        <a:rPr lang="pl-PL" sz="1600" dirty="0">
                           <a:effectLst/>
                         </a:rPr>
                         <a:t>Bluff</a:t>
                       </a:r>
-                      <a:endParaRPr lang="pl-PL" sz="1100" dirty="0">
+                      <a:endParaRPr lang="pl-PL" sz="1400" dirty="0">
                         <a:solidFill>
                           <a:srgbClr val="365F91"/>
                         </a:solidFill>
@@ -10533,16 +10612,1603 @@
           <a:chExt cx="0" cy="0"/>
         </a:xfrm>
       </p:grpSpPr>
+      <p:graphicFrame>
+        <p:nvGraphicFramePr>
+          <p:cNvPr id="2" name="Tabela 1"/>
+          <p:cNvGraphicFramePr>
+            <a:graphicFrameLocks noGrp="1"/>
+          </p:cNvGraphicFramePr>
+          <p:nvPr>
+            <p:extLst>
+              <p:ext uri="{D42A27DB-BD31-4B8C-83A1-F6EECF244321}">
+                <p14:modId xmlns:p14="http://schemas.microsoft.com/office/powerpoint/2010/main" val="3562205576"/>
+              </p:ext>
+            </p:extLst>
+          </p:nvPr>
+        </p:nvGraphicFramePr>
+        <p:xfrm>
+          <a:off x="1875890" y="2276872"/>
+          <a:ext cx="4824540" cy="2664295"/>
+        </p:xfrm>
+        <a:graphic>
+          <a:graphicData uri="http://schemas.openxmlformats.org/drawingml/2006/table">
+            <a:tbl>
+              <a:tblPr>
+                <a:tableStyleId>{69CF1AB2-1976-4502-BF36-3FF5EA218861}</a:tableStyleId>
+              </a:tblPr>
+              <a:tblGrid>
+                <a:gridCol w="964908"/>
+                <a:gridCol w="964908"/>
+                <a:gridCol w="964908"/>
+                <a:gridCol w="964908"/>
+                <a:gridCol w="964908"/>
+              </a:tblGrid>
+              <a:tr h="532859">
+                <a:tc>
+                  <a:txBody>
+                    <a:bodyPr/>
+                    <a:lstStyle/>
+                    <a:p>
+                      <a:pPr algn="ctr" fontAlgn="b"/>
+                      <a:endParaRPr lang="pl-PL" sz="1800" b="1" i="0" u="none" strike="noStrike" dirty="0">
+                        <a:solidFill>
+                          <a:srgbClr val="000000"/>
+                        </a:solidFill>
+                        <a:effectLst/>
+                        <a:latin typeface="Calibri"/>
+                      </a:endParaRPr>
+                    </a:p>
+                  </a:txBody>
+                  <a:tcPr marL="9525" marR="9525" marT="9525" marB="0" anchor="ctr">
+                    <a:lnL w="12700" cap="flat" cmpd="sng" algn="ctr">
+                      <a:solidFill>
+                        <a:schemeClr val="tx1"/>
+                      </a:solidFill>
+                      <a:prstDash val="solid"/>
+                      <a:round/>
+                      <a:headEnd type="none" w="med" len="med"/>
+                      <a:tailEnd type="none" w="med" len="med"/>
+                    </a:lnL>
+                    <a:lnR w="12700" cap="flat" cmpd="sng" algn="ctr">
+                      <a:solidFill>
+                        <a:schemeClr val="tx1"/>
+                      </a:solidFill>
+                      <a:prstDash val="solid"/>
+                      <a:round/>
+                      <a:headEnd type="none" w="med" len="med"/>
+                      <a:tailEnd type="none" w="med" len="med"/>
+                    </a:lnR>
+                    <a:lnT w="12700" cap="flat" cmpd="sng" algn="ctr">
+                      <a:solidFill>
+                        <a:schemeClr val="tx1"/>
+                      </a:solidFill>
+                      <a:prstDash val="solid"/>
+                      <a:round/>
+                      <a:headEnd type="none" w="med" len="med"/>
+                      <a:tailEnd type="none" w="med" len="med"/>
+                    </a:lnT>
+                    <a:lnB w="12700" cap="flat" cmpd="sng" algn="ctr">
+                      <a:solidFill>
+                        <a:schemeClr val="tx1"/>
+                      </a:solidFill>
+                      <a:prstDash val="solid"/>
+                      <a:round/>
+                      <a:headEnd type="none" w="med" len="med"/>
+                      <a:tailEnd type="none" w="med" len="med"/>
+                    </a:lnB>
+                  </a:tcPr>
+                </a:tc>
+                <a:tc>
+                  <a:txBody>
+                    <a:bodyPr/>
+                    <a:lstStyle/>
+                    <a:p>
+                      <a:pPr algn="ctr" fontAlgn="b"/>
+                      <a:r>
+                        <a:rPr lang="pl-PL" sz="1800" b="1" u="none" strike="noStrike" dirty="0" smtClean="0">
+                          <a:effectLst/>
+                        </a:rPr>
+                        <a:t>Y = 1</a:t>
+                      </a:r>
+                      <a:endParaRPr lang="pl-PL" sz="1800" b="1" i="0" u="none" strike="noStrike" dirty="0">
+                        <a:solidFill>
+                          <a:srgbClr val="FF0000"/>
+                        </a:solidFill>
+                        <a:effectLst/>
+                        <a:latin typeface="Calibri"/>
+                      </a:endParaRPr>
+                    </a:p>
+                  </a:txBody>
+                  <a:tcPr marL="9525" marR="9525" marT="9525" marB="0" anchor="ctr">
+                    <a:lnL w="12700" cap="flat" cmpd="sng" algn="ctr">
+                      <a:solidFill>
+                        <a:schemeClr val="tx1"/>
+                      </a:solidFill>
+                      <a:prstDash val="solid"/>
+                      <a:round/>
+                      <a:headEnd type="none" w="med" len="med"/>
+                      <a:tailEnd type="none" w="med" len="med"/>
+                    </a:lnL>
+                    <a:lnR w="12700" cap="flat" cmpd="sng" algn="ctr">
+                      <a:solidFill>
+                        <a:schemeClr val="tx1"/>
+                      </a:solidFill>
+                      <a:prstDash val="solid"/>
+                      <a:round/>
+                      <a:headEnd type="none" w="med" len="med"/>
+                      <a:tailEnd type="none" w="med" len="med"/>
+                    </a:lnR>
+                    <a:lnT w="12700" cap="flat" cmpd="sng" algn="ctr">
+                      <a:solidFill>
+                        <a:schemeClr val="tx1"/>
+                      </a:solidFill>
+                      <a:prstDash val="solid"/>
+                      <a:round/>
+                      <a:headEnd type="none" w="med" len="med"/>
+                      <a:tailEnd type="none" w="med" len="med"/>
+                    </a:lnT>
+                    <a:lnB w="12700" cap="flat" cmpd="sng" algn="ctr">
+                      <a:solidFill>
+                        <a:schemeClr val="tx1"/>
+                      </a:solidFill>
+                      <a:prstDash val="solid"/>
+                      <a:round/>
+                      <a:headEnd type="none" w="med" len="med"/>
+                      <a:tailEnd type="none" w="med" len="med"/>
+                    </a:lnB>
+                  </a:tcPr>
+                </a:tc>
+                <a:tc>
+                  <a:txBody>
+                    <a:bodyPr/>
+                    <a:lstStyle/>
+                    <a:p>
+                      <a:pPr algn="ctr" fontAlgn="b"/>
+                      <a:r>
+                        <a:rPr lang="pl-PL" sz="1800" b="1" u="none" strike="noStrike" dirty="0" smtClean="0">
+                          <a:effectLst/>
+                        </a:rPr>
+                        <a:t>Y = 2</a:t>
+                      </a:r>
+                      <a:endParaRPr lang="pl-PL" sz="1800" b="1" i="0" u="none" strike="noStrike" dirty="0">
+                        <a:solidFill>
+                          <a:srgbClr val="FF0000"/>
+                        </a:solidFill>
+                        <a:effectLst/>
+                        <a:latin typeface="Calibri"/>
+                      </a:endParaRPr>
+                    </a:p>
+                  </a:txBody>
+                  <a:tcPr marL="9525" marR="9525" marT="9525" marB="0" anchor="ctr">
+                    <a:lnL w="12700" cap="flat" cmpd="sng" algn="ctr">
+                      <a:solidFill>
+                        <a:schemeClr val="tx1"/>
+                      </a:solidFill>
+                      <a:prstDash val="solid"/>
+                      <a:round/>
+                      <a:headEnd type="none" w="med" len="med"/>
+                      <a:tailEnd type="none" w="med" len="med"/>
+                    </a:lnL>
+                    <a:lnR w="12700" cap="flat" cmpd="sng" algn="ctr">
+                      <a:solidFill>
+                        <a:schemeClr val="tx1"/>
+                      </a:solidFill>
+                      <a:prstDash val="solid"/>
+                      <a:round/>
+                      <a:headEnd type="none" w="med" len="med"/>
+                      <a:tailEnd type="none" w="med" len="med"/>
+                    </a:lnR>
+                    <a:lnT w="12700" cap="flat" cmpd="sng" algn="ctr">
+                      <a:solidFill>
+                        <a:schemeClr val="tx1"/>
+                      </a:solidFill>
+                      <a:prstDash val="solid"/>
+                      <a:round/>
+                      <a:headEnd type="none" w="med" len="med"/>
+                      <a:tailEnd type="none" w="med" len="med"/>
+                    </a:lnT>
+                    <a:lnB w="12700" cap="flat" cmpd="sng" algn="ctr">
+                      <a:solidFill>
+                        <a:schemeClr val="tx1"/>
+                      </a:solidFill>
+                      <a:prstDash val="solid"/>
+                      <a:round/>
+                      <a:headEnd type="none" w="med" len="med"/>
+                      <a:tailEnd type="none" w="med" len="med"/>
+                    </a:lnB>
+                  </a:tcPr>
+                </a:tc>
+                <a:tc>
+                  <a:txBody>
+                    <a:bodyPr/>
+                    <a:lstStyle/>
+                    <a:p>
+                      <a:pPr algn="ctr" fontAlgn="b"/>
+                      <a:r>
+                        <a:rPr lang="pl-PL" sz="1800" b="1" u="none" strike="noStrike" dirty="0" smtClean="0">
+                          <a:effectLst/>
+                        </a:rPr>
+                        <a:t>Y = 3</a:t>
+                      </a:r>
+                      <a:endParaRPr lang="pl-PL" sz="1800" b="1" i="0" u="none" strike="noStrike" dirty="0">
+                        <a:solidFill>
+                          <a:srgbClr val="FF0000"/>
+                        </a:solidFill>
+                        <a:effectLst/>
+                        <a:latin typeface="Calibri"/>
+                      </a:endParaRPr>
+                    </a:p>
+                  </a:txBody>
+                  <a:tcPr marL="9525" marR="9525" marT="9525" marB="0" anchor="ctr">
+                    <a:lnL w="12700" cap="flat" cmpd="sng" algn="ctr">
+                      <a:solidFill>
+                        <a:schemeClr val="tx1"/>
+                      </a:solidFill>
+                      <a:prstDash val="solid"/>
+                      <a:round/>
+                      <a:headEnd type="none" w="med" len="med"/>
+                      <a:tailEnd type="none" w="med" len="med"/>
+                    </a:lnL>
+                    <a:lnR w="12700" cap="flat" cmpd="sng" algn="ctr">
+                      <a:solidFill>
+                        <a:schemeClr val="tx1"/>
+                      </a:solidFill>
+                      <a:prstDash val="solid"/>
+                      <a:round/>
+                      <a:headEnd type="none" w="med" len="med"/>
+                      <a:tailEnd type="none" w="med" len="med"/>
+                    </a:lnR>
+                    <a:lnT w="12700" cap="flat" cmpd="sng" algn="ctr">
+                      <a:solidFill>
+                        <a:schemeClr val="tx1"/>
+                      </a:solidFill>
+                      <a:prstDash val="solid"/>
+                      <a:round/>
+                      <a:headEnd type="none" w="med" len="med"/>
+                      <a:tailEnd type="none" w="med" len="med"/>
+                    </a:lnT>
+                    <a:lnB w="12700" cap="flat" cmpd="sng" algn="ctr">
+                      <a:solidFill>
+                        <a:schemeClr val="tx1"/>
+                      </a:solidFill>
+                      <a:prstDash val="solid"/>
+                      <a:round/>
+                      <a:headEnd type="none" w="med" len="med"/>
+                      <a:tailEnd type="none" w="med" len="med"/>
+                    </a:lnB>
+                  </a:tcPr>
+                </a:tc>
+                <a:tc>
+                  <a:txBody>
+                    <a:bodyPr/>
+                    <a:lstStyle/>
+                    <a:p>
+                      <a:pPr algn="ctr" fontAlgn="b"/>
+                      <a:r>
+                        <a:rPr lang="pl-PL" sz="1800" b="1" u="none" strike="noStrike" dirty="0" smtClean="0">
+                          <a:effectLst/>
+                        </a:rPr>
+                        <a:t>Y =4</a:t>
+                      </a:r>
+                      <a:endParaRPr lang="pl-PL" sz="1800" b="1" i="0" u="none" strike="noStrike" dirty="0">
+                        <a:solidFill>
+                          <a:srgbClr val="FF0000"/>
+                        </a:solidFill>
+                        <a:effectLst/>
+                        <a:latin typeface="Calibri"/>
+                      </a:endParaRPr>
+                    </a:p>
+                  </a:txBody>
+                  <a:tcPr marL="9525" marR="9525" marT="9525" marB="0" anchor="ctr">
+                    <a:lnL w="12700" cap="flat" cmpd="sng" algn="ctr">
+                      <a:solidFill>
+                        <a:schemeClr val="tx1"/>
+                      </a:solidFill>
+                      <a:prstDash val="solid"/>
+                      <a:round/>
+                      <a:headEnd type="none" w="med" len="med"/>
+                      <a:tailEnd type="none" w="med" len="med"/>
+                    </a:lnL>
+                    <a:lnR w="12700" cap="flat" cmpd="sng" algn="ctr">
+                      <a:solidFill>
+                        <a:schemeClr val="tx1"/>
+                      </a:solidFill>
+                      <a:prstDash val="solid"/>
+                      <a:round/>
+                      <a:headEnd type="none" w="med" len="med"/>
+                      <a:tailEnd type="none" w="med" len="med"/>
+                    </a:lnR>
+                    <a:lnT w="12700" cap="flat" cmpd="sng" algn="ctr">
+                      <a:solidFill>
+                        <a:schemeClr val="tx1"/>
+                      </a:solidFill>
+                      <a:prstDash val="solid"/>
+                      <a:round/>
+                      <a:headEnd type="none" w="med" len="med"/>
+                      <a:tailEnd type="none" w="med" len="med"/>
+                    </a:lnT>
+                    <a:lnB w="12700" cap="flat" cmpd="sng" algn="ctr">
+                      <a:solidFill>
+                        <a:schemeClr val="tx1"/>
+                      </a:solidFill>
+                      <a:prstDash val="solid"/>
+                      <a:round/>
+                      <a:headEnd type="none" w="med" len="med"/>
+                      <a:tailEnd type="none" w="med" len="med"/>
+                    </a:lnB>
+                  </a:tcPr>
+                </a:tc>
+              </a:tr>
+              <a:tr h="532859">
+                <a:tc>
+                  <a:txBody>
+                    <a:bodyPr/>
+                    <a:lstStyle/>
+                    <a:p>
+                      <a:pPr algn="ctr" fontAlgn="b"/>
+                      <a:r>
+                        <a:rPr lang="pl-PL" sz="1800" b="1" u="none" strike="noStrike" dirty="0" smtClean="0">
+                          <a:effectLst/>
+                        </a:rPr>
+                        <a:t>X = 1</a:t>
+                      </a:r>
+                      <a:endParaRPr lang="pl-PL" sz="1800" b="1" i="0" u="none" strike="noStrike" dirty="0">
+                        <a:solidFill>
+                          <a:srgbClr val="FF0000"/>
+                        </a:solidFill>
+                        <a:effectLst/>
+                        <a:latin typeface="Calibri"/>
+                      </a:endParaRPr>
+                    </a:p>
+                  </a:txBody>
+                  <a:tcPr marL="9525" marR="9525" marT="9525" marB="0" anchor="ctr">
+                    <a:lnL w="12700" cap="flat" cmpd="sng" algn="ctr">
+                      <a:solidFill>
+                        <a:schemeClr val="tx1"/>
+                      </a:solidFill>
+                      <a:prstDash val="solid"/>
+                      <a:round/>
+                      <a:headEnd type="none" w="med" len="med"/>
+                      <a:tailEnd type="none" w="med" len="med"/>
+                    </a:lnL>
+                    <a:lnR w="12700" cap="flat" cmpd="sng" algn="ctr">
+                      <a:solidFill>
+                        <a:schemeClr val="tx1"/>
+                      </a:solidFill>
+                      <a:prstDash val="solid"/>
+                      <a:round/>
+                      <a:headEnd type="none" w="med" len="med"/>
+                      <a:tailEnd type="none" w="med" len="med"/>
+                    </a:lnR>
+                    <a:lnT w="12700" cap="flat" cmpd="sng" algn="ctr">
+                      <a:solidFill>
+                        <a:schemeClr val="tx1"/>
+                      </a:solidFill>
+                      <a:prstDash val="solid"/>
+                      <a:round/>
+                      <a:headEnd type="none" w="med" len="med"/>
+                      <a:tailEnd type="none" w="med" len="med"/>
+                    </a:lnT>
+                    <a:lnB w="12700" cap="flat" cmpd="sng" algn="ctr">
+                      <a:solidFill>
+                        <a:schemeClr val="tx1"/>
+                      </a:solidFill>
+                      <a:prstDash val="solid"/>
+                      <a:round/>
+                      <a:headEnd type="none" w="med" len="med"/>
+                      <a:tailEnd type="none" w="med" len="med"/>
+                    </a:lnB>
+                  </a:tcPr>
+                </a:tc>
+                <a:tc>
+                  <a:txBody>
+                    <a:bodyPr/>
+                    <a:lstStyle/>
+                    <a:p>
+                      <a:pPr algn="ctr" fontAlgn="b"/>
+                      <a:r>
+                        <a:rPr lang="pl-PL" sz="1800" b="0" u="none" strike="noStrike" dirty="0" smtClean="0">
+                          <a:effectLst/>
+                        </a:rPr>
+                        <a:t>W</a:t>
+                      </a:r>
+                      <a:endParaRPr lang="pl-PL" sz="1800" b="0" i="0" u="none" strike="noStrike" dirty="0">
+                        <a:solidFill>
+                          <a:srgbClr val="000000"/>
+                        </a:solidFill>
+                        <a:effectLst/>
+                        <a:latin typeface="Calibri"/>
+                      </a:endParaRPr>
+                    </a:p>
+                  </a:txBody>
+                  <a:tcPr marL="9525" marR="9525" marT="9525" marB="0" anchor="ctr">
+                    <a:lnL w="12700" cap="flat" cmpd="sng" algn="ctr">
+                      <a:solidFill>
+                        <a:schemeClr val="tx1"/>
+                      </a:solidFill>
+                      <a:prstDash val="solid"/>
+                      <a:round/>
+                      <a:headEnd type="none" w="med" len="med"/>
+                      <a:tailEnd type="none" w="med" len="med"/>
+                    </a:lnL>
+                    <a:lnR w="12700" cap="flat" cmpd="sng" algn="ctr">
+                      <a:solidFill>
+                        <a:schemeClr val="tx1"/>
+                      </a:solidFill>
+                      <a:prstDash val="solid"/>
+                      <a:round/>
+                      <a:headEnd type="none" w="med" len="med"/>
+                      <a:tailEnd type="none" w="med" len="med"/>
+                    </a:lnR>
+                    <a:lnT w="12700" cap="flat" cmpd="sng" algn="ctr">
+                      <a:solidFill>
+                        <a:schemeClr val="tx1"/>
+                      </a:solidFill>
+                      <a:prstDash val="solid"/>
+                      <a:round/>
+                      <a:headEnd type="none" w="med" len="med"/>
+                      <a:tailEnd type="none" w="med" len="med"/>
+                    </a:lnT>
+                    <a:lnB w="12700" cap="flat" cmpd="sng" algn="ctr">
+                      <a:solidFill>
+                        <a:schemeClr val="tx1"/>
+                      </a:solidFill>
+                      <a:prstDash val="solid"/>
+                      <a:round/>
+                      <a:headEnd type="none" w="med" len="med"/>
+                      <a:tailEnd type="none" w="med" len="med"/>
+                    </a:lnB>
+                    <a:solidFill>
+                      <a:srgbClr val="A7D46A"/>
+                    </a:solidFill>
+                  </a:tcPr>
+                </a:tc>
+                <a:tc>
+                  <a:txBody>
+                    <a:bodyPr/>
+                    <a:lstStyle/>
+                    <a:p>
+                      <a:pPr algn="ctr" fontAlgn="b"/>
+                      <a:r>
+                        <a:rPr lang="pl-PL" sz="1800" b="0" u="none" strike="noStrike" dirty="0" smtClean="0">
+                          <a:effectLst/>
+                        </a:rPr>
+                        <a:t>W</a:t>
+                      </a:r>
+                      <a:endParaRPr lang="pl-PL" sz="1800" b="0" i="0" u="none" strike="noStrike" dirty="0">
+                        <a:solidFill>
+                          <a:srgbClr val="000000"/>
+                        </a:solidFill>
+                        <a:effectLst/>
+                        <a:latin typeface="Calibri"/>
+                      </a:endParaRPr>
+                    </a:p>
+                  </a:txBody>
+                  <a:tcPr marL="9525" marR="9525" marT="9525" marB="0" anchor="ctr">
+                    <a:lnL w="12700" cap="flat" cmpd="sng" algn="ctr">
+                      <a:solidFill>
+                        <a:schemeClr val="tx1"/>
+                      </a:solidFill>
+                      <a:prstDash val="solid"/>
+                      <a:round/>
+                      <a:headEnd type="none" w="med" len="med"/>
+                      <a:tailEnd type="none" w="med" len="med"/>
+                    </a:lnL>
+                    <a:lnR w="12700" cap="flat" cmpd="sng" algn="ctr">
+                      <a:solidFill>
+                        <a:schemeClr val="tx1"/>
+                      </a:solidFill>
+                      <a:prstDash val="solid"/>
+                      <a:round/>
+                      <a:headEnd type="none" w="med" len="med"/>
+                      <a:tailEnd type="none" w="med" len="med"/>
+                    </a:lnR>
+                    <a:lnT w="12700" cap="flat" cmpd="sng" algn="ctr">
+                      <a:solidFill>
+                        <a:schemeClr val="tx1"/>
+                      </a:solidFill>
+                      <a:prstDash val="solid"/>
+                      <a:round/>
+                      <a:headEnd type="none" w="med" len="med"/>
+                      <a:tailEnd type="none" w="med" len="med"/>
+                    </a:lnT>
+                    <a:lnB w="12700" cap="flat" cmpd="sng" algn="ctr">
+                      <a:solidFill>
+                        <a:schemeClr val="tx1"/>
+                      </a:solidFill>
+                      <a:prstDash val="solid"/>
+                      <a:round/>
+                      <a:headEnd type="none" w="med" len="med"/>
+                      <a:tailEnd type="none" w="med" len="med"/>
+                    </a:lnB>
+                    <a:solidFill>
+                      <a:srgbClr val="A7D46A"/>
+                    </a:solidFill>
+                  </a:tcPr>
+                </a:tc>
+                <a:tc>
+                  <a:txBody>
+                    <a:bodyPr/>
+                    <a:lstStyle/>
+                    <a:p>
+                      <a:pPr algn="ctr" fontAlgn="b"/>
+                      <a:r>
+                        <a:rPr lang="pl-PL" sz="1800" b="0" u="none" strike="noStrike" dirty="0" smtClean="0">
+                          <a:effectLst/>
+                        </a:rPr>
+                        <a:t>P</a:t>
+                      </a:r>
+                      <a:endParaRPr lang="pl-PL" sz="1800" b="0" i="0" u="none" strike="noStrike" dirty="0">
+                        <a:solidFill>
+                          <a:srgbClr val="000000"/>
+                        </a:solidFill>
+                        <a:effectLst/>
+                        <a:latin typeface="Calibri"/>
+                      </a:endParaRPr>
+                    </a:p>
+                  </a:txBody>
+                  <a:tcPr marL="9525" marR="9525" marT="9525" marB="0" anchor="ctr">
+                    <a:lnL w="12700" cap="flat" cmpd="sng" algn="ctr">
+                      <a:solidFill>
+                        <a:schemeClr val="tx1"/>
+                      </a:solidFill>
+                      <a:prstDash val="solid"/>
+                      <a:round/>
+                      <a:headEnd type="none" w="med" len="med"/>
+                      <a:tailEnd type="none" w="med" len="med"/>
+                    </a:lnL>
+                    <a:lnR w="12700" cap="flat" cmpd="sng" algn="ctr">
+                      <a:solidFill>
+                        <a:schemeClr val="tx1"/>
+                      </a:solidFill>
+                      <a:prstDash val="solid"/>
+                      <a:round/>
+                      <a:headEnd type="none" w="med" len="med"/>
+                      <a:tailEnd type="none" w="med" len="med"/>
+                    </a:lnR>
+                    <a:lnT w="12700" cap="flat" cmpd="sng" algn="ctr">
+                      <a:solidFill>
+                        <a:schemeClr val="tx1"/>
+                      </a:solidFill>
+                      <a:prstDash val="solid"/>
+                      <a:round/>
+                      <a:headEnd type="none" w="med" len="med"/>
+                      <a:tailEnd type="none" w="med" len="med"/>
+                    </a:lnT>
+                    <a:lnB w="12700" cap="flat" cmpd="sng" algn="ctr">
+                      <a:solidFill>
+                        <a:schemeClr val="tx1"/>
+                      </a:solidFill>
+                      <a:prstDash val="solid"/>
+                      <a:round/>
+                      <a:headEnd type="none" w="med" len="med"/>
+                      <a:tailEnd type="none" w="med" len="med"/>
+                    </a:lnB>
+                    <a:solidFill>
+                      <a:srgbClr val="EE7F5C"/>
+                    </a:solidFill>
+                  </a:tcPr>
+                </a:tc>
+                <a:tc>
+                  <a:txBody>
+                    <a:bodyPr/>
+                    <a:lstStyle/>
+                    <a:p>
+                      <a:pPr algn="ctr" fontAlgn="b"/>
+                      <a:r>
+                        <a:rPr lang="pl-PL" sz="1800" b="0" u="none" strike="noStrike" dirty="0" smtClean="0">
+                          <a:effectLst/>
+                        </a:rPr>
+                        <a:t>P</a:t>
+                      </a:r>
+                      <a:endParaRPr lang="pl-PL" sz="1800" b="0" i="0" u="none" strike="noStrike" dirty="0">
+                        <a:solidFill>
+                          <a:srgbClr val="000000"/>
+                        </a:solidFill>
+                        <a:effectLst/>
+                        <a:latin typeface="Calibri"/>
+                      </a:endParaRPr>
+                    </a:p>
+                  </a:txBody>
+                  <a:tcPr marL="9525" marR="9525" marT="9525" marB="0" anchor="ctr">
+                    <a:lnL w="12700" cap="flat" cmpd="sng" algn="ctr">
+                      <a:solidFill>
+                        <a:schemeClr val="tx1"/>
+                      </a:solidFill>
+                      <a:prstDash val="solid"/>
+                      <a:round/>
+                      <a:headEnd type="none" w="med" len="med"/>
+                      <a:tailEnd type="none" w="med" len="med"/>
+                    </a:lnL>
+                    <a:lnR w="12700" cap="flat" cmpd="sng" algn="ctr">
+                      <a:solidFill>
+                        <a:schemeClr val="tx1"/>
+                      </a:solidFill>
+                      <a:prstDash val="solid"/>
+                      <a:round/>
+                      <a:headEnd type="none" w="med" len="med"/>
+                      <a:tailEnd type="none" w="med" len="med"/>
+                    </a:lnR>
+                    <a:lnT w="12700" cap="flat" cmpd="sng" algn="ctr">
+                      <a:solidFill>
+                        <a:schemeClr val="tx1"/>
+                      </a:solidFill>
+                      <a:prstDash val="solid"/>
+                      <a:round/>
+                      <a:headEnd type="none" w="med" len="med"/>
+                      <a:tailEnd type="none" w="med" len="med"/>
+                    </a:lnT>
+                    <a:lnB w="12700" cap="flat" cmpd="sng" algn="ctr">
+                      <a:solidFill>
+                        <a:schemeClr val="tx1"/>
+                      </a:solidFill>
+                      <a:prstDash val="solid"/>
+                      <a:round/>
+                      <a:headEnd type="none" w="med" len="med"/>
+                      <a:tailEnd type="none" w="med" len="med"/>
+                    </a:lnB>
+                    <a:solidFill>
+                      <a:srgbClr val="EE7F5C"/>
+                    </a:solidFill>
+                  </a:tcPr>
+                </a:tc>
+              </a:tr>
+              <a:tr h="532859">
+                <a:tc>
+                  <a:txBody>
+                    <a:bodyPr/>
+                    <a:lstStyle/>
+                    <a:p>
+                      <a:pPr algn="ctr" fontAlgn="b"/>
+                      <a:r>
+                        <a:rPr lang="pl-PL" sz="1800" b="1" u="none" strike="noStrike" dirty="0" smtClean="0">
+                          <a:effectLst/>
+                        </a:rPr>
+                        <a:t>X = 2</a:t>
+                      </a:r>
+                      <a:endParaRPr lang="pl-PL" sz="1800" b="1" i="0" u="none" strike="noStrike" dirty="0">
+                        <a:solidFill>
+                          <a:srgbClr val="FF0000"/>
+                        </a:solidFill>
+                        <a:effectLst/>
+                        <a:latin typeface="Calibri"/>
+                      </a:endParaRPr>
+                    </a:p>
+                  </a:txBody>
+                  <a:tcPr marL="9525" marR="9525" marT="9525" marB="0" anchor="ctr">
+                    <a:lnL w="12700" cap="flat" cmpd="sng" algn="ctr">
+                      <a:solidFill>
+                        <a:schemeClr val="tx1"/>
+                      </a:solidFill>
+                      <a:prstDash val="solid"/>
+                      <a:round/>
+                      <a:headEnd type="none" w="med" len="med"/>
+                      <a:tailEnd type="none" w="med" len="med"/>
+                    </a:lnL>
+                    <a:lnR w="12700" cap="flat" cmpd="sng" algn="ctr">
+                      <a:solidFill>
+                        <a:schemeClr val="tx1"/>
+                      </a:solidFill>
+                      <a:prstDash val="solid"/>
+                      <a:round/>
+                      <a:headEnd type="none" w="med" len="med"/>
+                      <a:tailEnd type="none" w="med" len="med"/>
+                    </a:lnR>
+                    <a:lnT w="12700" cap="flat" cmpd="sng" algn="ctr">
+                      <a:solidFill>
+                        <a:schemeClr val="tx1"/>
+                      </a:solidFill>
+                      <a:prstDash val="solid"/>
+                      <a:round/>
+                      <a:headEnd type="none" w="med" len="med"/>
+                      <a:tailEnd type="none" w="med" len="med"/>
+                    </a:lnT>
+                    <a:lnB w="12700" cap="flat" cmpd="sng" algn="ctr">
+                      <a:solidFill>
+                        <a:schemeClr val="tx1"/>
+                      </a:solidFill>
+                      <a:prstDash val="solid"/>
+                      <a:round/>
+                      <a:headEnd type="none" w="med" len="med"/>
+                      <a:tailEnd type="none" w="med" len="med"/>
+                    </a:lnB>
+                  </a:tcPr>
+                </a:tc>
+                <a:tc>
+                  <a:txBody>
+                    <a:bodyPr/>
+                    <a:lstStyle/>
+                    <a:p>
+                      <a:pPr algn="ctr" fontAlgn="b"/>
+                      <a:r>
+                        <a:rPr lang="pl-PL" sz="1800" b="0" u="none" strike="noStrike" dirty="0" smtClean="0">
+                          <a:effectLst/>
+                        </a:rPr>
+                        <a:t>P</a:t>
+                      </a:r>
+                      <a:endParaRPr lang="pl-PL" sz="1800" b="0" i="0" u="none" strike="noStrike" dirty="0">
+                        <a:solidFill>
+                          <a:srgbClr val="000000"/>
+                        </a:solidFill>
+                        <a:effectLst/>
+                        <a:latin typeface="Calibri"/>
+                      </a:endParaRPr>
+                    </a:p>
+                  </a:txBody>
+                  <a:tcPr marL="9525" marR="9525" marT="9525" marB="0" anchor="ctr">
+                    <a:lnL w="12700" cap="flat" cmpd="sng" algn="ctr">
+                      <a:solidFill>
+                        <a:schemeClr val="tx1"/>
+                      </a:solidFill>
+                      <a:prstDash val="solid"/>
+                      <a:round/>
+                      <a:headEnd type="none" w="med" len="med"/>
+                      <a:tailEnd type="none" w="med" len="med"/>
+                    </a:lnL>
+                    <a:lnR w="12700" cap="flat" cmpd="sng" algn="ctr">
+                      <a:solidFill>
+                        <a:schemeClr val="tx1"/>
+                      </a:solidFill>
+                      <a:prstDash val="solid"/>
+                      <a:round/>
+                      <a:headEnd type="none" w="med" len="med"/>
+                      <a:tailEnd type="none" w="med" len="med"/>
+                    </a:lnR>
+                    <a:lnT w="12700" cap="flat" cmpd="sng" algn="ctr">
+                      <a:solidFill>
+                        <a:schemeClr val="tx1"/>
+                      </a:solidFill>
+                      <a:prstDash val="solid"/>
+                      <a:round/>
+                      <a:headEnd type="none" w="med" len="med"/>
+                      <a:tailEnd type="none" w="med" len="med"/>
+                    </a:lnT>
+                    <a:lnB w="12700" cap="flat" cmpd="sng" algn="ctr">
+                      <a:solidFill>
+                        <a:schemeClr val="tx1"/>
+                      </a:solidFill>
+                      <a:prstDash val="solid"/>
+                      <a:round/>
+                      <a:headEnd type="none" w="med" len="med"/>
+                      <a:tailEnd type="none" w="med" len="med"/>
+                    </a:lnB>
+                    <a:solidFill>
+                      <a:srgbClr val="EE7F5C"/>
+                    </a:solidFill>
+                  </a:tcPr>
+                </a:tc>
+                <a:tc>
+                  <a:txBody>
+                    <a:bodyPr/>
+                    <a:lstStyle/>
+                    <a:p>
+                      <a:pPr algn="ctr" fontAlgn="b"/>
+                      <a:r>
+                        <a:rPr lang="pl-PL" sz="1800" b="0" u="none" strike="noStrike" dirty="0" smtClean="0">
+                          <a:effectLst/>
+                        </a:rPr>
+                        <a:t>P</a:t>
+                      </a:r>
+                      <a:endParaRPr lang="pl-PL" sz="1800" b="0" i="0" u="none" strike="noStrike" dirty="0">
+                        <a:solidFill>
+                          <a:srgbClr val="000000"/>
+                        </a:solidFill>
+                        <a:effectLst/>
+                        <a:latin typeface="Calibri"/>
+                      </a:endParaRPr>
+                    </a:p>
+                  </a:txBody>
+                  <a:tcPr marL="9525" marR="9525" marT="9525" marB="0" anchor="ctr">
+                    <a:lnL w="12700" cap="flat" cmpd="sng" algn="ctr">
+                      <a:solidFill>
+                        <a:schemeClr val="tx1"/>
+                      </a:solidFill>
+                      <a:prstDash val="solid"/>
+                      <a:round/>
+                      <a:headEnd type="none" w="med" len="med"/>
+                      <a:tailEnd type="none" w="med" len="med"/>
+                    </a:lnL>
+                    <a:lnR w="12700" cap="flat" cmpd="sng" algn="ctr">
+                      <a:solidFill>
+                        <a:schemeClr val="tx1"/>
+                      </a:solidFill>
+                      <a:prstDash val="solid"/>
+                      <a:round/>
+                      <a:headEnd type="none" w="med" len="med"/>
+                      <a:tailEnd type="none" w="med" len="med"/>
+                    </a:lnR>
+                    <a:lnT w="12700" cap="flat" cmpd="sng" algn="ctr">
+                      <a:solidFill>
+                        <a:schemeClr val="tx1"/>
+                      </a:solidFill>
+                      <a:prstDash val="solid"/>
+                      <a:round/>
+                      <a:headEnd type="none" w="med" len="med"/>
+                      <a:tailEnd type="none" w="med" len="med"/>
+                    </a:lnT>
+                    <a:lnB w="12700" cap="flat" cmpd="sng" algn="ctr">
+                      <a:solidFill>
+                        <a:schemeClr val="tx1"/>
+                      </a:solidFill>
+                      <a:prstDash val="solid"/>
+                      <a:round/>
+                      <a:headEnd type="none" w="med" len="med"/>
+                      <a:tailEnd type="none" w="med" len="med"/>
+                    </a:lnB>
+                    <a:solidFill>
+                      <a:srgbClr val="EE7F5C"/>
+                    </a:solidFill>
+                  </a:tcPr>
+                </a:tc>
+                <a:tc>
+                  <a:txBody>
+                    <a:bodyPr/>
+                    <a:lstStyle/>
+                    <a:p>
+                      <a:pPr algn="ctr" fontAlgn="b"/>
+                      <a:r>
+                        <a:rPr lang="pl-PL" sz="1800" b="0" u="none" strike="noStrike" dirty="0" smtClean="0">
+                          <a:effectLst/>
+                        </a:rPr>
+                        <a:t>W</a:t>
+                      </a:r>
+                      <a:endParaRPr lang="pl-PL" sz="1800" b="0" i="0" u="none" strike="noStrike" dirty="0">
+                        <a:solidFill>
+                          <a:srgbClr val="000000"/>
+                        </a:solidFill>
+                        <a:effectLst/>
+                        <a:latin typeface="Calibri"/>
+                      </a:endParaRPr>
+                    </a:p>
+                  </a:txBody>
+                  <a:tcPr marL="9525" marR="9525" marT="9525" marB="0" anchor="ctr">
+                    <a:lnL w="12700" cap="flat" cmpd="sng" algn="ctr">
+                      <a:solidFill>
+                        <a:schemeClr val="tx1"/>
+                      </a:solidFill>
+                      <a:prstDash val="solid"/>
+                      <a:round/>
+                      <a:headEnd type="none" w="med" len="med"/>
+                      <a:tailEnd type="none" w="med" len="med"/>
+                    </a:lnL>
+                    <a:lnR w="12700" cap="flat" cmpd="sng" algn="ctr">
+                      <a:solidFill>
+                        <a:schemeClr val="tx1"/>
+                      </a:solidFill>
+                      <a:prstDash val="solid"/>
+                      <a:round/>
+                      <a:headEnd type="none" w="med" len="med"/>
+                      <a:tailEnd type="none" w="med" len="med"/>
+                    </a:lnR>
+                    <a:lnT w="12700" cap="flat" cmpd="sng" algn="ctr">
+                      <a:solidFill>
+                        <a:schemeClr val="tx1"/>
+                      </a:solidFill>
+                      <a:prstDash val="solid"/>
+                      <a:round/>
+                      <a:headEnd type="none" w="med" len="med"/>
+                      <a:tailEnd type="none" w="med" len="med"/>
+                    </a:lnT>
+                    <a:lnB w="12700" cap="flat" cmpd="sng" algn="ctr">
+                      <a:solidFill>
+                        <a:schemeClr val="tx1"/>
+                      </a:solidFill>
+                      <a:prstDash val="solid"/>
+                      <a:round/>
+                      <a:headEnd type="none" w="med" len="med"/>
+                      <a:tailEnd type="none" w="med" len="med"/>
+                    </a:lnB>
+                    <a:solidFill>
+                      <a:srgbClr val="A7D46A"/>
+                    </a:solidFill>
+                  </a:tcPr>
+                </a:tc>
+                <a:tc>
+                  <a:txBody>
+                    <a:bodyPr/>
+                    <a:lstStyle/>
+                    <a:p>
+                      <a:pPr algn="ctr" fontAlgn="b"/>
+                      <a:r>
+                        <a:rPr lang="pl-PL" sz="1800" b="0" u="none" strike="noStrike" dirty="0" smtClean="0">
+                          <a:effectLst/>
+                        </a:rPr>
+                        <a:t>W</a:t>
+                      </a:r>
+                      <a:endParaRPr lang="pl-PL" sz="1800" b="0" i="0" u="none" strike="noStrike" dirty="0">
+                        <a:solidFill>
+                          <a:srgbClr val="000000"/>
+                        </a:solidFill>
+                        <a:effectLst/>
+                        <a:latin typeface="Calibri"/>
+                      </a:endParaRPr>
+                    </a:p>
+                  </a:txBody>
+                  <a:tcPr marL="9525" marR="9525" marT="9525" marB="0" anchor="ctr">
+                    <a:lnL w="12700" cap="flat" cmpd="sng" algn="ctr">
+                      <a:solidFill>
+                        <a:schemeClr val="tx1"/>
+                      </a:solidFill>
+                      <a:prstDash val="solid"/>
+                      <a:round/>
+                      <a:headEnd type="none" w="med" len="med"/>
+                      <a:tailEnd type="none" w="med" len="med"/>
+                    </a:lnL>
+                    <a:lnR w="12700" cap="flat" cmpd="sng" algn="ctr">
+                      <a:solidFill>
+                        <a:schemeClr val="tx1"/>
+                      </a:solidFill>
+                      <a:prstDash val="solid"/>
+                      <a:round/>
+                      <a:headEnd type="none" w="med" len="med"/>
+                      <a:tailEnd type="none" w="med" len="med"/>
+                    </a:lnR>
+                    <a:lnT w="12700" cap="flat" cmpd="sng" algn="ctr">
+                      <a:solidFill>
+                        <a:schemeClr val="tx1"/>
+                      </a:solidFill>
+                      <a:prstDash val="solid"/>
+                      <a:round/>
+                      <a:headEnd type="none" w="med" len="med"/>
+                      <a:tailEnd type="none" w="med" len="med"/>
+                    </a:lnT>
+                    <a:lnB w="12700" cap="flat" cmpd="sng" algn="ctr">
+                      <a:solidFill>
+                        <a:schemeClr val="tx1"/>
+                      </a:solidFill>
+                      <a:prstDash val="solid"/>
+                      <a:round/>
+                      <a:headEnd type="none" w="med" len="med"/>
+                      <a:tailEnd type="none" w="med" len="med"/>
+                    </a:lnB>
+                    <a:solidFill>
+                      <a:srgbClr val="A7D46A"/>
+                    </a:solidFill>
+                  </a:tcPr>
+                </a:tc>
+              </a:tr>
+              <a:tr h="532859">
+                <a:tc>
+                  <a:txBody>
+                    <a:bodyPr/>
+                    <a:lstStyle/>
+                    <a:p>
+                      <a:pPr algn="ctr" fontAlgn="b"/>
+                      <a:r>
+                        <a:rPr lang="pl-PL" sz="1800" b="1" u="none" strike="noStrike" dirty="0" smtClean="0">
+                          <a:effectLst/>
+                        </a:rPr>
+                        <a:t>X = 3</a:t>
+                      </a:r>
+                      <a:endParaRPr lang="pl-PL" sz="1800" b="1" i="0" u="none" strike="noStrike" dirty="0">
+                        <a:solidFill>
+                          <a:srgbClr val="FF0000"/>
+                        </a:solidFill>
+                        <a:effectLst/>
+                        <a:latin typeface="Calibri"/>
+                      </a:endParaRPr>
+                    </a:p>
+                  </a:txBody>
+                  <a:tcPr marL="9525" marR="9525" marT="9525" marB="0" anchor="ctr">
+                    <a:lnL w="12700" cap="flat" cmpd="sng" algn="ctr">
+                      <a:solidFill>
+                        <a:schemeClr val="tx1"/>
+                      </a:solidFill>
+                      <a:prstDash val="solid"/>
+                      <a:round/>
+                      <a:headEnd type="none" w="med" len="med"/>
+                      <a:tailEnd type="none" w="med" len="med"/>
+                    </a:lnL>
+                    <a:lnR w="12700" cap="flat" cmpd="sng" algn="ctr">
+                      <a:solidFill>
+                        <a:schemeClr val="tx1"/>
+                      </a:solidFill>
+                      <a:prstDash val="solid"/>
+                      <a:round/>
+                      <a:headEnd type="none" w="med" len="med"/>
+                      <a:tailEnd type="none" w="med" len="med"/>
+                    </a:lnR>
+                    <a:lnT w="12700" cap="flat" cmpd="sng" algn="ctr">
+                      <a:solidFill>
+                        <a:schemeClr val="tx1"/>
+                      </a:solidFill>
+                      <a:prstDash val="solid"/>
+                      <a:round/>
+                      <a:headEnd type="none" w="med" len="med"/>
+                      <a:tailEnd type="none" w="med" len="med"/>
+                    </a:lnT>
+                    <a:lnB w="12700" cap="flat" cmpd="sng" algn="ctr">
+                      <a:solidFill>
+                        <a:schemeClr val="tx1"/>
+                      </a:solidFill>
+                      <a:prstDash val="solid"/>
+                      <a:round/>
+                      <a:headEnd type="none" w="med" len="med"/>
+                      <a:tailEnd type="none" w="med" len="med"/>
+                    </a:lnB>
+                  </a:tcPr>
+                </a:tc>
+                <a:tc>
+                  <a:txBody>
+                    <a:bodyPr/>
+                    <a:lstStyle/>
+                    <a:p>
+                      <a:pPr algn="ctr" fontAlgn="b"/>
+                      <a:r>
+                        <a:rPr lang="pl-PL" sz="1800" b="0" u="none" strike="noStrike" dirty="0" smtClean="0">
+                          <a:effectLst/>
+                        </a:rPr>
+                        <a:t>W</a:t>
+                      </a:r>
+                      <a:endParaRPr lang="pl-PL" sz="1800" b="0" i="0" u="none" strike="noStrike" dirty="0">
+                        <a:solidFill>
+                          <a:srgbClr val="000000"/>
+                        </a:solidFill>
+                        <a:effectLst/>
+                        <a:latin typeface="Calibri"/>
+                      </a:endParaRPr>
+                    </a:p>
+                  </a:txBody>
+                  <a:tcPr marL="9525" marR="9525" marT="9525" marB="0" anchor="ctr">
+                    <a:lnL w="12700" cap="flat" cmpd="sng" algn="ctr">
+                      <a:solidFill>
+                        <a:schemeClr val="tx1"/>
+                      </a:solidFill>
+                      <a:prstDash val="solid"/>
+                      <a:round/>
+                      <a:headEnd type="none" w="med" len="med"/>
+                      <a:tailEnd type="none" w="med" len="med"/>
+                    </a:lnL>
+                    <a:lnR w="12700" cap="flat" cmpd="sng" algn="ctr">
+                      <a:solidFill>
+                        <a:schemeClr val="tx1"/>
+                      </a:solidFill>
+                      <a:prstDash val="solid"/>
+                      <a:round/>
+                      <a:headEnd type="none" w="med" len="med"/>
+                      <a:tailEnd type="none" w="med" len="med"/>
+                    </a:lnR>
+                    <a:lnT w="12700" cap="flat" cmpd="sng" algn="ctr">
+                      <a:solidFill>
+                        <a:schemeClr val="tx1"/>
+                      </a:solidFill>
+                      <a:prstDash val="solid"/>
+                      <a:round/>
+                      <a:headEnd type="none" w="med" len="med"/>
+                      <a:tailEnd type="none" w="med" len="med"/>
+                    </a:lnT>
+                    <a:lnB w="12700" cap="flat" cmpd="sng" algn="ctr">
+                      <a:solidFill>
+                        <a:schemeClr val="tx1"/>
+                      </a:solidFill>
+                      <a:prstDash val="solid"/>
+                      <a:round/>
+                      <a:headEnd type="none" w="med" len="med"/>
+                      <a:tailEnd type="none" w="med" len="med"/>
+                    </a:lnB>
+                    <a:solidFill>
+                      <a:srgbClr val="A7D46A"/>
+                    </a:solidFill>
+                  </a:tcPr>
+                </a:tc>
+                <a:tc>
+                  <a:txBody>
+                    <a:bodyPr/>
+                    <a:lstStyle/>
+                    <a:p>
+                      <a:pPr algn="ctr" fontAlgn="b"/>
+                      <a:r>
+                        <a:rPr lang="pl-PL" sz="1800" b="0" u="none" strike="noStrike" dirty="0" smtClean="0">
+                          <a:effectLst/>
+                        </a:rPr>
+                        <a:t>P</a:t>
+                      </a:r>
+                      <a:endParaRPr lang="pl-PL" sz="1800" b="0" i="0" u="none" strike="noStrike" dirty="0">
+                        <a:solidFill>
+                          <a:srgbClr val="000000"/>
+                        </a:solidFill>
+                        <a:effectLst/>
+                        <a:latin typeface="Calibri"/>
+                      </a:endParaRPr>
+                    </a:p>
+                  </a:txBody>
+                  <a:tcPr marL="9525" marR="9525" marT="9525" marB="0" anchor="ctr">
+                    <a:lnL w="12700" cap="flat" cmpd="sng" algn="ctr">
+                      <a:solidFill>
+                        <a:schemeClr val="tx1"/>
+                      </a:solidFill>
+                      <a:prstDash val="solid"/>
+                      <a:round/>
+                      <a:headEnd type="none" w="med" len="med"/>
+                      <a:tailEnd type="none" w="med" len="med"/>
+                    </a:lnL>
+                    <a:lnR w="12700" cap="flat" cmpd="sng" algn="ctr">
+                      <a:solidFill>
+                        <a:schemeClr val="tx1"/>
+                      </a:solidFill>
+                      <a:prstDash val="solid"/>
+                      <a:round/>
+                      <a:headEnd type="none" w="med" len="med"/>
+                      <a:tailEnd type="none" w="med" len="med"/>
+                    </a:lnR>
+                    <a:lnT w="12700" cap="flat" cmpd="sng" algn="ctr">
+                      <a:solidFill>
+                        <a:schemeClr val="tx1"/>
+                      </a:solidFill>
+                      <a:prstDash val="solid"/>
+                      <a:round/>
+                      <a:headEnd type="none" w="med" len="med"/>
+                      <a:tailEnd type="none" w="med" len="med"/>
+                    </a:lnT>
+                    <a:lnB w="12700" cap="flat" cmpd="sng" algn="ctr">
+                      <a:solidFill>
+                        <a:schemeClr val="tx1"/>
+                      </a:solidFill>
+                      <a:prstDash val="solid"/>
+                      <a:round/>
+                      <a:headEnd type="none" w="med" len="med"/>
+                      <a:tailEnd type="none" w="med" len="med"/>
+                    </a:lnB>
+                    <a:solidFill>
+                      <a:srgbClr val="EE7F5C"/>
+                    </a:solidFill>
+                  </a:tcPr>
+                </a:tc>
+                <a:tc>
+                  <a:txBody>
+                    <a:bodyPr/>
+                    <a:lstStyle/>
+                    <a:p>
+                      <a:pPr algn="ctr" fontAlgn="b"/>
+                      <a:r>
+                        <a:rPr lang="pl-PL" sz="1800" b="0" u="none" strike="noStrike" dirty="0" smtClean="0">
+                          <a:effectLst/>
+                        </a:rPr>
+                        <a:t>W</a:t>
+                      </a:r>
+                      <a:endParaRPr lang="pl-PL" sz="1800" b="0" i="0" u="none" strike="noStrike" dirty="0">
+                        <a:solidFill>
+                          <a:srgbClr val="000000"/>
+                        </a:solidFill>
+                        <a:effectLst/>
+                        <a:latin typeface="Calibri"/>
+                      </a:endParaRPr>
+                    </a:p>
+                  </a:txBody>
+                  <a:tcPr marL="9525" marR="9525" marT="9525" marB="0" anchor="ctr">
+                    <a:lnL w="12700" cap="flat" cmpd="sng" algn="ctr">
+                      <a:solidFill>
+                        <a:schemeClr val="tx1"/>
+                      </a:solidFill>
+                      <a:prstDash val="solid"/>
+                      <a:round/>
+                      <a:headEnd type="none" w="med" len="med"/>
+                      <a:tailEnd type="none" w="med" len="med"/>
+                    </a:lnL>
+                    <a:lnR w="12700" cap="flat" cmpd="sng" algn="ctr">
+                      <a:solidFill>
+                        <a:schemeClr val="tx1"/>
+                      </a:solidFill>
+                      <a:prstDash val="solid"/>
+                      <a:round/>
+                      <a:headEnd type="none" w="med" len="med"/>
+                      <a:tailEnd type="none" w="med" len="med"/>
+                    </a:lnR>
+                    <a:lnT w="12700" cap="flat" cmpd="sng" algn="ctr">
+                      <a:solidFill>
+                        <a:schemeClr val="tx1"/>
+                      </a:solidFill>
+                      <a:prstDash val="solid"/>
+                      <a:round/>
+                      <a:headEnd type="none" w="med" len="med"/>
+                      <a:tailEnd type="none" w="med" len="med"/>
+                    </a:lnT>
+                    <a:lnB w="12700" cap="flat" cmpd="sng" algn="ctr">
+                      <a:solidFill>
+                        <a:schemeClr val="tx1"/>
+                      </a:solidFill>
+                      <a:prstDash val="solid"/>
+                      <a:round/>
+                      <a:headEnd type="none" w="med" len="med"/>
+                      <a:tailEnd type="none" w="med" len="med"/>
+                    </a:lnB>
+                    <a:solidFill>
+                      <a:srgbClr val="A7D46A"/>
+                    </a:solidFill>
+                  </a:tcPr>
+                </a:tc>
+                <a:tc>
+                  <a:txBody>
+                    <a:bodyPr/>
+                    <a:lstStyle/>
+                    <a:p>
+                      <a:pPr algn="ctr" fontAlgn="b"/>
+                      <a:r>
+                        <a:rPr lang="pl-PL" sz="1800" b="0" u="none" strike="noStrike" dirty="0" smtClean="0">
+                          <a:effectLst/>
+                        </a:rPr>
+                        <a:t>W</a:t>
+                      </a:r>
+                      <a:endParaRPr lang="pl-PL" sz="1800" b="0" i="0" u="none" strike="noStrike" dirty="0">
+                        <a:solidFill>
+                          <a:srgbClr val="000000"/>
+                        </a:solidFill>
+                        <a:effectLst/>
+                        <a:latin typeface="Calibri"/>
+                      </a:endParaRPr>
+                    </a:p>
+                  </a:txBody>
+                  <a:tcPr marL="9525" marR="9525" marT="9525" marB="0" anchor="ctr">
+                    <a:lnL w="12700" cap="flat" cmpd="sng" algn="ctr">
+                      <a:solidFill>
+                        <a:schemeClr val="tx1"/>
+                      </a:solidFill>
+                      <a:prstDash val="solid"/>
+                      <a:round/>
+                      <a:headEnd type="none" w="med" len="med"/>
+                      <a:tailEnd type="none" w="med" len="med"/>
+                    </a:lnL>
+                    <a:lnR w="12700" cap="flat" cmpd="sng" algn="ctr">
+                      <a:solidFill>
+                        <a:schemeClr val="tx1"/>
+                      </a:solidFill>
+                      <a:prstDash val="solid"/>
+                      <a:round/>
+                      <a:headEnd type="none" w="med" len="med"/>
+                      <a:tailEnd type="none" w="med" len="med"/>
+                    </a:lnR>
+                    <a:lnT w="12700" cap="flat" cmpd="sng" algn="ctr">
+                      <a:solidFill>
+                        <a:schemeClr val="tx1"/>
+                      </a:solidFill>
+                      <a:prstDash val="solid"/>
+                      <a:round/>
+                      <a:headEnd type="none" w="med" len="med"/>
+                      <a:tailEnd type="none" w="med" len="med"/>
+                    </a:lnT>
+                    <a:lnB w="12700" cap="flat" cmpd="sng" algn="ctr">
+                      <a:solidFill>
+                        <a:schemeClr val="tx1"/>
+                      </a:solidFill>
+                      <a:prstDash val="solid"/>
+                      <a:round/>
+                      <a:headEnd type="none" w="med" len="med"/>
+                      <a:tailEnd type="none" w="med" len="med"/>
+                    </a:lnB>
+                    <a:solidFill>
+                      <a:srgbClr val="A7D46A"/>
+                    </a:solidFill>
+                  </a:tcPr>
+                </a:tc>
+              </a:tr>
+              <a:tr h="532859">
+                <a:tc>
+                  <a:txBody>
+                    <a:bodyPr/>
+                    <a:lstStyle/>
+                    <a:p>
+                      <a:pPr algn="ctr" fontAlgn="b"/>
+                      <a:r>
+                        <a:rPr lang="pl-PL" sz="1800" b="1" u="none" strike="noStrike" dirty="0" smtClean="0">
+                          <a:effectLst/>
+                        </a:rPr>
+                        <a:t>X = 4</a:t>
+                      </a:r>
+                      <a:endParaRPr lang="pl-PL" sz="1800" b="1" i="0" u="none" strike="noStrike" dirty="0">
+                        <a:solidFill>
+                          <a:srgbClr val="FF0000"/>
+                        </a:solidFill>
+                        <a:effectLst/>
+                        <a:latin typeface="Calibri"/>
+                      </a:endParaRPr>
+                    </a:p>
+                  </a:txBody>
+                  <a:tcPr marL="9525" marR="9525" marT="9525" marB="0" anchor="ctr">
+                    <a:lnL w="12700" cap="flat" cmpd="sng" algn="ctr">
+                      <a:solidFill>
+                        <a:schemeClr val="tx1"/>
+                      </a:solidFill>
+                      <a:prstDash val="solid"/>
+                      <a:round/>
+                      <a:headEnd type="none" w="med" len="med"/>
+                      <a:tailEnd type="none" w="med" len="med"/>
+                    </a:lnL>
+                    <a:lnR w="12700" cap="flat" cmpd="sng" algn="ctr">
+                      <a:solidFill>
+                        <a:schemeClr val="tx1"/>
+                      </a:solidFill>
+                      <a:prstDash val="solid"/>
+                      <a:round/>
+                      <a:headEnd type="none" w="med" len="med"/>
+                      <a:tailEnd type="none" w="med" len="med"/>
+                    </a:lnR>
+                    <a:lnT w="12700" cap="flat" cmpd="sng" algn="ctr">
+                      <a:solidFill>
+                        <a:schemeClr val="tx1"/>
+                      </a:solidFill>
+                      <a:prstDash val="solid"/>
+                      <a:round/>
+                      <a:headEnd type="none" w="med" len="med"/>
+                      <a:tailEnd type="none" w="med" len="med"/>
+                    </a:lnT>
+                    <a:lnB w="12700" cap="flat" cmpd="sng" algn="ctr">
+                      <a:solidFill>
+                        <a:schemeClr val="tx1"/>
+                      </a:solidFill>
+                      <a:prstDash val="solid"/>
+                      <a:round/>
+                      <a:headEnd type="none" w="med" len="med"/>
+                      <a:tailEnd type="none" w="med" len="med"/>
+                    </a:lnB>
+                  </a:tcPr>
+                </a:tc>
+                <a:tc>
+                  <a:txBody>
+                    <a:bodyPr/>
+                    <a:lstStyle/>
+                    <a:p>
+                      <a:pPr algn="ctr" fontAlgn="b"/>
+                      <a:r>
+                        <a:rPr lang="pl-PL" sz="1800" b="0" u="none" strike="noStrike" dirty="0" smtClean="0">
+                          <a:effectLst/>
+                        </a:rPr>
+                        <a:t>W</a:t>
+                      </a:r>
+                      <a:endParaRPr lang="pl-PL" sz="1800" b="0" i="0" u="none" strike="noStrike" dirty="0">
+                        <a:solidFill>
+                          <a:srgbClr val="000000"/>
+                        </a:solidFill>
+                        <a:effectLst/>
+                        <a:latin typeface="Calibri"/>
+                      </a:endParaRPr>
+                    </a:p>
+                  </a:txBody>
+                  <a:tcPr marL="9525" marR="9525" marT="9525" marB="0" anchor="ctr">
+                    <a:lnL w="12700" cap="flat" cmpd="sng" algn="ctr">
+                      <a:solidFill>
+                        <a:schemeClr val="tx1"/>
+                      </a:solidFill>
+                      <a:prstDash val="solid"/>
+                      <a:round/>
+                      <a:headEnd type="none" w="med" len="med"/>
+                      <a:tailEnd type="none" w="med" len="med"/>
+                    </a:lnL>
+                    <a:lnR w="12700" cap="flat" cmpd="sng" algn="ctr">
+                      <a:solidFill>
+                        <a:schemeClr val="tx1"/>
+                      </a:solidFill>
+                      <a:prstDash val="solid"/>
+                      <a:round/>
+                      <a:headEnd type="none" w="med" len="med"/>
+                      <a:tailEnd type="none" w="med" len="med"/>
+                    </a:lnR>
+                    <a:lnT w="12700" cap="flat" cmpd="sng" algn="ctr">
+                      <a:solidFill>
+                        <a:schemeClr val="tx1"/>
+                      </a:solidFill>
+                      <a:prstDash val="solid"/>
+                      <a:round/>
+                      <a:headEnd type="none" w="med" len="med"/>
+                      <a:tailEnd type="none" w="med" len="med"/>
+                    </a:lnT>
+                    <a:lnB w="12700" cap="flat" cmpd="sng" algn="ctr">
+                      <a:solidFill>
+                        <a:schemeClr val="tx1"/>
+                      </a:solidFill>
+                      <a:prstDash val="solid"/>
+                      <a:round/>
+                      <a:headEnd type="none" w="med" len="med"/>
+                      <a:tailEnd type="none" w="med" len="med"/>
+                    </a:lnB>
+                    <a:solidFill>
+                      <a:srgbClr val="A7D46A"/>
+                    </a:solidFill>
+                  </a:tcPr>
+                </a:tc>
+                <a:tc>
+                  <a:txBody>
+                    <a:bodyPr/>
+                    <a:lstStyle/>
+                    <a:p>
+                      <a:pPr algn="ctr" fontAlgn="b"/>
+                      <a:r>
+                        <a:rPr lang="pl-PL" sz="1800" b="0" u="none" strike="noStrike" dirty="0" smtClean="0">
+                          <a:effectLst/>
+                        </a:rPr>
+                        <a:t>P</a:t>
+                      </a:r>
+                      <a:endParaRPr lang="pl-PL" sz="1800" b="0" i="0" u="none" strike="noStrike" dirty="0">
+                        <a:solidFill>
+                          <a:srgbClr val="000000"/>
+                        </a:solidFill>
+                        <a:effectLst/>
+                        <a:latin typeface="Calibri"/>
+                      </a:endParaRPr>
+                    </a:p>
+                  </a:txBody>
+                  <a:tcPr marL="9525" marR="9525" marT="9525" marB="0" anchor="ctr">
+                    <a:lnL w="12700" cap="flat" cmpd="sng" algn="ctr">
+                      <a:solidFill>
+                        <a:schemeClr val="tx1"/>
+                      </a:solidFill>
+                      <a:prstDash val="solid"/>
+                      <a:round/>
+                      <a:headEnd type="none" w="med" len="med"/>
+                      <a:tailEnd type="none" w="med" len="med"/>
+                    </a:lnL>
+                    <a:lnR w="12700" cap="flat" cmpd="sng" algn="ctr">
+                      <a:solidFill>
+                        <a:schemeClr val="tx1"/>
+                      </a:solidFill>
+                      <a:prstDash val="solid"/>
+                      <a:round/>
+                      <a:headEnd type="none" w="med" len="med"/>
+                      <a:tailEnd type="none" w="med" len="med"/>
+                    </a:lnR>
+                    <a:lnT w="12700" cap="flat" cmpd="sng" algn="ctr">
+                      <a:solidFill>
+                        <a:schemeClr val="tx1"/>
+                      </a:solidFill>
+                      <a:prstDash val="solid"/>
+                      <a:round/>
+                      <a:headEnd type="none" w="med" len="med"/>
+                      <a:tailEnd type="none" w="med" len="med"/>
+                    </a:lnT>
+                    <a:lnB w="12700" cap="flat" cmpd="sng" algn="ctr">
+                      <a:solidFill>
+                        <a:schemeClr val="tx1"/>
+                      </a:solidFill>
+                      <a:prstDash val="solid"/>
+                      <a:round/>
+                      <a:headEnd type="none" w="med" len="med"/>
+                      <a:tailEnd type="none" w="med" len="med"/>
+                    </a:lnB>
+                    <a:solidFill>
+                      <a:srgbClr val="EE7F5C"/>
+                    </a:solidFill>
+                  </a:tcPr>
+                </a:tc>
+                <a:tc>
+                  <a:txBody>
+                    <a:bodyPr/>
+                    <a:lstStyle/>
+                    <a:p>
+                      <a:pPr algn="ctr" fontAlgn="b"/>
+                      <a:r>
+                        <a:rPr lang="pl-PL" sz="1800" b="0" u="none" strike="noStrike" dirty="0" smtClean="0">
+                          <a:effectLst/>
+                        </a:rPr>
+                        <a:t>P</a:t>
+                      </a:r>
+                      <a:endParaRPr lang="pl-PL" sz="1800" b="0" i="0" u="none" strike="noStrike" dirty="0">
+                        <a:solidFill>
+                          <a:srgbClr val="000000"/>
+                        </a:solidFill>
+                        <a:effectLst/>
+                        <a:latin typeface="Calibri"/>
+                      </a:endParaRPr>
+                    </a:p>
+                  </a:txBody>
+                  <a:tcPr marL="9525" marR="9525" marT="9525" marB="0" anchor="ctr">
+                    <a:lnL w="12700" cap="flat" cmpd="sng" algn="ctr">
+                      <a:solidFill>
+                        <a:schemeClr val="tx1"/>
+                      </a:solidFill>
+                      <a:prstDash val="solid"/>
+                      <a:round/>
+                      <a:headEnd type="none" w="med" len="med"/>
+                      <a:tailEnd type="none" w="med" len="med"/>
+                    </a:lnL>
+                    <a:lnR w="12700" cap="flat" cmpd="sng" algn="ctr">
+                      <a:solidFill>
+                        <a:schemeClr val="tx1"/>
+                      </a:solidFill>
+                      <a:prstDash val="solid"/>
+                      <a:round/>
+                      <a:headEnd type="none" w="med" len="med"/>
+                      <a:tailEnd type="none" w="med" len="med"/>
+                    </a:lnR>
+                    <a:lnT w="12700" cap="flat" cmpd="sng" algn="ctr">
+                      <a:solidFill>
+                        <a:schemeClr val="tx1"/>
+                      </a:solidFill>
+                      <a:prstDash val="solid"/>
+                      <a:round/>
+                      <a:headEnd type="none" w="med" len="med"/>
+                      <a:tailEnd type="none" w="med" len="med"/>
+                    </a:lnT>
+                    <a:lnB w="12700" cap="flat" cmpd="sng" algn="ctr">
+                      <a:solidFill>
+                        <a:schemeClr val="tx1"/>
+                      </a:solidFill>
+                      <a:prstDash val="solid"/>
+                      <a:round/>
+                      <a:headEnd type="none" w="med" len="med"/>
+                      <a:tailEnd type="none" w="med" len="med"/>
+                    </a:lnB>
+                    <a:solidFill>
+                      <a:srgbClr val="EE7F5C"/>
+                    </a:solidFill>
+                  </a:tcPr>
+                </a:tc>
+                <a:tc>
+                  <a:txBody>
+                    <a:bodyPr/>
+                    <a:lstStyle/>
+                    <a:p>
+                      <a:pPr algn="ctr" fontAlgn="b"/>
+                      <a:r>
+                        <a:rPr lang="pl-PL" sz="1800" b="0" u="none" strike="noStrike" dirty="0" smtClean="0">
+                          <a:effectLst/>
+                        </a:rPr>
+                        <a:t>P</a:t>
+                      </a:r>
+                      <a:endParaRPr lang="pl-PL" sz="1800" b="0" i="0" u="none" strike="noStrike" dirty="0">
+                        <a:solidFill>
+                          <a:srgbClr val="000000"/>
+                        </a:solidFill>
+                        <a:effectLst/>
+                        <a:latin typeface="Calibri"/>
+                      </a:endParaRPr>
+                    </a:p>
+                  </a:txBody>
+                  <a:tcPr marL="9525" marR="9525" marT="9525" marB="0" anchor="ctr">
+                    <a:lnL w="12700" cap="flat" cmpd="sng" algn="ctr">
+                      <a:solidFill>
+                        <a:schemeClr val="tx1"/>
+                      </a:solidFill>
+                      <a:prstDash val="solid"/>
+                      <a:round/>
+                      <a:headEnd type="none" w="med" len="med"/>
+                      <a:tailEnd type="none" w="med" len="med"/>
+                    </a:lnL>
+                    <a:lnR w="12700" cap="flat" cmpd="sng" algn="ctr">
+                      <a:solidFill>
+                        <a:schemeClr val="tx1"/>
+                      </a:solidFill>
+                      <a:prstDash val="solid"/>
+                      <a:round/>
+                      <a:headEnd type="none" w="med" len="med"/>
+                      <a:tailEnd type="none" w="med" len="med"/>
+                    </a:lnR>
+                    <a:lnT w="12700" cap="flat" cmpd="sng" algn="ctr">
+                      <a:solidFill>
+                        <a:schemeClr val="tx1"/>
+                      </a:solidFill>
+                      <a:prstDash val="solid"/>
+                      <a:round/>
+                      <a:headEnd type="none" w="med" len="med"/>
+                      <a:tailEnd type="none" w="med" len="med"/>
+                    </a:lnT>
+                    <a:lnB w="12700" cap="flat" cmpd="sng" algn="ctr">
+                      <a:solidFill>
+                        <a:schemeClr val="tx1"/>
+                      </a:solidFill>
+                      <a:prstDash val="solid"/>
+                      <a:round/>
+                      <a:headEnd type="none" w="med" len="med"/>
+                      <a:tailEnd type="none" w="med" len="med"/>
+                    </a:lnB>
+                    <a:solidFill>
+                      <a:srgbClr val="EE7F5C"/>
+                    </a:solidFill>
+                  </a:tcPr>
+                </a:tc>
+              </a:tr>
+            </a:tbl>
+          </a:graphicData>
+        </a:graphic>
+      </p:graphicFrame>
       <p:sp>
         <p:nvSpPr>
-          <p:cNvPr id="2" name="pole tekstowe 1"/>
+          <p:cNvPr id="4" name="pole tekstowe 3"/>
           <p:cNvSpPr txBox="1"/>
           <p:nvPr/>
         </p:nvSpPr>
         <p:spPr>
           <a:xfrm>
-            <a:off x="899592" y="1268760"/>
-            <a:ext cx="7056784" cy="3046988"/>
+            <a:off x="687760" y="1052736"/>
+            <a:ext cx="7200800" cy="646331"/>
           </a:xfrm>
           <a:prstGeom prst="rect">
             <a:avLst/>
@@ -10556,53 +12222,23 @@
           <a:lstStyle/>
           <a:p>
             <a:r>
-              <a:rPr lang="pl-PL" sz="2400" dirty="0" smtClean="0"/>
-              <a:t>Wnioski:</a:t>
+              <a:rPr lang="pl-PL" dirty="0" smtClean="0"/>
+              <a:t>W poniższej tabeli zaprezentowaliśmy wyniki całych gier przeprowadzonych zgodnie z opracowaną strategią.</a:t>
             </a:r>
-          </a:p>
-          <a:p>
-            <a:endParaRPr lang="pl-PL" sz="2400" dirty="0" smtClean="0"/>
-          </a:p>
-          <a:p>
-            <a:pPr marL="285750" indent="-285750">
-              <a:buFont typeface="Arial" panose="020B0604020202020204" pitchFamily="34" charset="0"/>
-              <a:buChar char="•"/>
-            </a:pPr>
-            <a:r>
-              <a:rPr lang="pl-PL" sz="2400" dirty="0" smtClean="0"/>
-              <a:t>Strategia opracowana na potrzeby rozwiązania problemu liniowego może w rzeczywistości okazać się nieidealną, ale jest to jedyna jaką da się zasymulować komputerowo (z popularnym zasobem sprzętowym i ograniczonym czasem)</a:t>
-            </a:r>
-          </a:p>
-          <a:p>
-            <a:pPr marL="285750" indent="-285750">
-              <a:buFont typeface="Arial" panose="020B0604020202020204" pitchFamily="34" charset="0"/>
-              <a:buChar char="•"/>
-            </a:pPr>
-            <a:r>
-              <a:rPr lang="pl-PL" sz="2400" dirty="0" smtClean="0"/>
-              <a:t>Nie istnieje strategia gwarantująca zwycięstwo</a:t>
-            </a:r>
-            <a:endParaRPr lang="pl-PL" sz="2400" dirty="0"/>
+            <a:endParaRPr lang="pl-PL" dirty="0"/>
           </a:p>
         </p:txBody>
       </p:sp>
     </p:spTree>
     <p:extLst>
       <p:ext uri="{BB962C8B-B14F-4D97-AF65-F5344CB8AC3E}">
-        <p14:creationId xmlns:p14="http://schemas.microsoft.com/office/powerpoint/2010/main" val="2423876983"/>
+        <p14:creationId xmlns:p14="http://schemas.microsoft.com/office/powerpoint/2010/main" val="592968568"/>
       </p:ext>
     </p:extLst>
   </p:cSld>
   <p:clrMapOvr>
     <a:masterClrMapping/>
   </p:clrMapOvr>
-  <p:timing>
-    <p:tnLst>
-      <p:par>
-        <p:cTn id="1" dur="indefinite" restart="never" nodeType="tmRoot"/>
-      </p:par>
-    </p:tnLst>
-  </p:timing>
 </p:sld>
 </file>
 
@@ -10631,8 +12267,8 @@
         </p:nvSpPr>
         <p:spPr>
           <a:xfrm>
-            <a:off x="1619672" y="2564904"/>
-            <a:ext cx="5328592" cy="1015663"/>
+            <a:off x="899592" y="1268760"/>
+            <a:ext cx="7056784" cy="3046988"/>
           </a:xfrm>
           <a:prstGeom prst="rect">
             <a:avLst/>
@@ -10640,34 +12276,46 @@
           <a:noFill/>
         </p:spPr>
         <p:txBody>
-          <a:bodyPr wrap="square" rtlCol="0" anchor="ctr" anchorCtr="1">
+          <a:bodyPr wrap="square" rtlCol="0">
             <a:spAutoFit/>
           </a:bodyPr>
           <a:lstStyle/>
           <a:p>
-            <a:pPr algn="ctr"/>
             <a:r>
-              <a:rPr lang="pl-PL" sz="6000" b="1" i="1" dirty="0" smtClean="0">
-                <a:solidFill>
-                  <a:schemeClr val="tx2"/>
-                </a:solidFill>
-                <a:latin typeface="+mj-lt"/>
-              </a:rPr>
-              <a:t>Projekt nr 3</a:t>
+              <a:rPr lang="pl-PL" sz="2400" dirty="0" smtClean="0"/>
+              <a:t>Wnioski:</a:t>
             </a:r>
-            <a:endParaRPr lang="pl-PL" sz="6000" b="1" i="1" dirty="0">
-              <a:solidFill>
-                <a:schemeClr val="tx2"/>
-              </a:solidFill>
-              <a:latin typeface="+mj-lt"/>
-            </a:endParaRPr>
+          </a:p>
+          <a:p>
+            <a:endParaRPr lang="pl-PL" sz="2400" dirty="0" smtClean="0"/>
+          </a:p>
+          <a:p>
+            <a:pPr marL="285750" indent="-285750">
+              <a:buFont typeface="Arial" panose="020B0604020202020204" pitchFamily="34" charset="0"/>
+              <a:buChar char="•"/>
+            </a:pPr>
+            <a:r>
+              <a:rPr lang="pl-PL" sz="2400" dirty="0" smtClean="0"/>
+              <a:t>Strategia opracowana na potrzeby rozwiązania problemu liniowego może w rzeczywistości okazać się nieidealną, ale jest to jedyna jaką da się zasymulować komputerowo (z popularnym zasobem sprzętowym i ograniczonym czasem)</a:t>
+            </a:r>
+          </a:p>
+          <a:p>
+            <a:pPr marL="285750" indent="-285750">
+              <a:buFont typeface="Arial" panose="020B0604020202020204" pitchFamily="34" charset="0"/>
+              <a:buChar char="•"/>
+            </a:pPr>
+            <a:r>
+              <a:rPr lang="pl-PL" sz="2400" dirty="0" smtClean="0"/>
+              <a:t>Nie istnieje strategia gwarantująca zwycięstwo</a:t>
+            </a:r>
+            <a:endParaRPr lang="pl-PL" sz="2400" dirty="0"/>
           </a:p>
         </p:txBody>
       </p:sp>
     </p:spTree>
     <p:extLst>
       <p:ext uri="{BB962C8B-B14F-4D97-AF65-F5344CB8AC3E}">
-        <p14:creationId xmlns:p14="http://schemas.microsoft.com/office/powerpoint/2010/main" val="4261684042"/>
+        <p14:creationId xmlns:p14="http://schemas.microsoft.com/office/powerpoint/2010/main" val="2423876983"/>
       </p:ext>
     </p:extLst>
   </p:cSld>
